--- a/Clariba_test_presentation.pptx
+++ b/Clariba_test_presentation.pptx
@@ -4,9 +4,16 @@
   <p:sldMasterIdLst>
     <p:sldMasterId id="2147483648" r:id="rId1"/>
   </p:sldMasterIdLst>
+  <p:notesMasterIdLst>
+    <p:notesMasterId r:id="rId8"/>
+  </p:notesMasterIdLst>
   <p:sldIdLst>
     <p:sldId id="256" r:id="rId2"/>
     <p:sldId id="257" r:id="rId3"/>
+    <p:sldId id="258" r:id="rId4"/>
+    <p:sldId id="259" r:id="rId5"/>
+    <p:sldId id="260" r:id="rId6"/>
+    <p:sldId id="261" r:id="rId7"/>
   </p:sldIdLst>
   <p:sldSz cx="9144000" cy="6858000" type="screen4x3"/>
   <p:notesSz cx="6858000" cy="9144000"/>
@@ -108,6 +115,353 @@
 </p:presentation>
 </file>
 
+<file path=ppt/notesMasters/notesMaster1.xml><?xml version="1.0" encoding="utf-8"?>
+<p:notesMaster xmlns:a="http://schemas.openxmlformats.org/drawingml/2006/main" xmlns:r="http://schemas.openxmlformats.org/officeDocument/2006/relationships" xmlns:p="http://schemas.openxmlformats.org/presentationml/2006/main">
+  <p:cSld>
+    <p:bg>
+      <p:bgRef idx="1001">
+        <a:schemeClr val="bg1"/>
+      </p:bgRef>
+    </p:bg>
+    <p:spTree>
+      <p:nvGrpSpPr>
+        <p:cNvPr id="1" name=""/>
+        <p:cNvGrpSpPr/>
+        <p:nvPr/>
+      </p:nvGrpSpPr>
+      <p:grpSpPr>
+        <a:xfrm>
+          <a:off x="0" y="0"/>
+          <a:ext cx="0" cy="0"/>
+          <a:chOff x="0" y="0"/>
+          <a:chExt cx="0" cy="0"/>
+        </a:xfrm>
+      </p:grpSpPr>
+      <p:sp>
+        <p:nvSpPr>
+          <p:cNvPr id="2" name="Header Placeholder 1"/>
+          <p:cNvSpPr>
+            <a:spLocks noGrp="1"/>
+          </p:cNvSpPr>
+          <p:nvPr>
+            <p:ph type="hdr" sz="quarter"/>
+          </p:nvPr>
+        </p:nvSpPr>
+        <p:spPr>
+          <a:xfrm>
+            <a:off x="0" y="0"/>
+            <a:ext cx="2971800" cy="457200"/>
+          </a:xfrm>
+          <a:prstGeom prst="rect">
+            <a:avLst/>
+          </a:prstGeom>
+        </p:spPr>
+        <p:txBody>
+          <a:bodyPr vert="horz" lIns="91440" tIns="45720" rIns="91440" bIns="45720" rtlCol="0"/>
+          <a:lstStyle>
+            <a:lvl1pPr algn="l">
+              <a:defRPr sz="1200"/>
+            </a:lvl1pPr>
+          </a:lstStyle>
+          <a:p>
+            <a:endParaRPr lang="en-US"/>
+          </a:p>
+        </p:txBody>
+      </p:sp>
+      <p:sp>
+        <p:nvSpPr>
+          <p:cNvPr id="3" name="Date Placeholder 2"/>
+          <p:cNvSpPr>
+            <a:spLocks noGrp="1"/>
+          </p:cNvSpPr>
+          <p:nvPr>
+            <p:ph type="dt" idx="1"/>
+          </p:nvPr>
+        </p:nvSpPr>
+        <p:spPr>
+          <a:xfrm>
+            <a:off x="3884613" y="0"/>
+            <a:ext cx="2971800" cy="457200"/>
+          </a:xfrm>
+          <a:prstGeom prst="rect">
+            <a:avLst/>
+          </a:prstGeom>
+        </p:spPr>
+        <p:txBody>
+          <a:bodyPr vert="horz" lIns="91440" tIns="45720" rIns="91440" bIns="45720" rtlCol="0"/>
+          <a:lstStyle>
+            <a:lvl1pPr algn="r">
+              <a:defRPr sz="1200"/>
+            </a:lvl1pPr>
+          </a:lstStyle>
+          <a:p>
+            <a:fld id="{7C361400-B007-4F53-BBE4-B4ED25C38A3F}" type="datetimeFigureOut">
+              <a:rPr lang="en-US" smtClean="0"/>
+              <a:t>8/30/2019</a:t>
+            </a:fld>
+            <a:endParaRPr lang="en-US"/>
+          </a:p>
+        </p:txBody>
+      </p:sp>
+      <p:sp>
+        <p:nvSpPr>
+          <p:cNvPr id="4" name="Slide Image Placeholder 3"/>
+          <p:cNvSpPr>
+            <a:spLocks noGrp="1" noRot="1" noChangeAspect="1"/>
+          </p:cNvSpPr>
+          <p:nvPr>
+            <p:ph type="sldImg" idx="2"/>
+          </p:nvPr>
+        </p:nvSpPr>
+        <p:spPr>
+          <a:xfrm>
+            <a:off x="1143000" y="685800"/>
+            <a:ext cx="4572000" cy="3429000"/>
+          </a:xfrm>
+          <a:prstGeom prst="rect">
+            <a:avLst/>
+          </a:prstGeom>
+          <a:noFill/>
+          <a:ln w="12700">
+            <a:solidFill>
+              <a:prstClr val="black"/>
+            </a:solidFill>
+          </a:ln>
+        </p:spPr>
+        <p:txBody>
+          <a:bodyPr vert="horz" lIns="91440" tIns="45720" rIns="91440" bIns="45720" rtlCol="0" anchor="ctr"/>
+          <a:lstStyle/>
+          <a:p>
+            <a:endParaRPr lang="en-US"/>
+          </a:p>
+        </p:txBody>
+      </p:sp>
+      <p:sp>
+        <p:nvSpPr>
+          <p:cNvPr id="5" name="Notes Placeholder 4"/>
+          <p:cNvSpPr>
+            <a:spLocks noGrp="1"/>
+          </p:cNvSpPr>
+          <p:nvPr>
+            <p:ph type="body" sz="quarter" idx="3"/>
+          </p:nvPr>
+        </p:nvSpPr>
+        <p:spPr>
+          <a:xfrm>
+            <a:off x="685800" y="4343400"/>
+            <a:ext cx="5486400" cy="4114800"/>
+          </a:xfrm>
+          <a:prstGeom prst="rect">
+            <a:avLst/>
+          </a:prstGeom>
+        </p:spPr>
+        <p:txBody>
+          <a:bodyPr vert="horz" lIns="91440" tIns="45720" rIns="91440" bIns="45720" rtlCol="0">
+            <a:normAutofit/>
+          </a:bodyPr>
+          <a:lstStyle/>
+          <a:p>
+            <a:pPr lvl="0"/>
+            <a:r>
+              <a:rPr lang="en-US" smtClean="0"/>
+              <a:t>Click to edit Master text styles</a:t>
+            </a:r>
+          </a:p>
+          <a:p>
+            <a:pPr lvl="1"/>
+            <a:r>
+              <a:rPr lang="en-US" smtClean="0"/>
+              <a:t>Second level</a:t>
+            </a:r>
+          </a:p>
+          <a:p>
+            <a:pPr lvl="2"/>
+            <a:r>
+              <a:rPr lang="en-US" smtClean="0"/>
+              <a:t>Third level</a:t>
+            </a:r>
+          </a:p>
+          <a:p>
+            <a:pPr lvl="3"/>
+            <a:r>
+              <a:rPr lang="en-US" smtClean="0"/>
+              <a:t>Fourth level</a:t>
+            </a:r>
+          </a:p>
+          <a:p>
+            <a:pPr lvl="4"/>
+            <a:r>
+              <a:rPr lang="en-US" smtClean="0"/>
+              <a:t>Fifth level</a:t>
+            </a:r>
+            <a:endParaRPr lang="en-US"/>
+          </a:p>
+        </p:txBody>
+      </p:sp>
+      <p:sp>
+        <p:nvSpPr>
+          <p:cNvPr id="6" name="Footer Placeholder 5"/>
+          <p:cNvSpPr>
+            <a:spLocks noGrp="1"/>
+          </p:cNvSpPr>
+          <p:nvPr>
+            <p:ph type="ftr" sz="quarter" idx="4"/>
+          </p:nvPr>
+        </p:nvSpPr>
+        <p:spPr>
+          <a:xfrm>
+            <a:off x="0" y="8685213"/>
+            <a:ext cx="2971800" cy="457200"/>
+          </a:xfrm>
+          <a:prstGeom prst="rect">
+            <a:avLst/>
+          </a:prstGeom>
+        </p:spPr>
+        <p:txBody>
+          <a:bodyPr vert="horz" lIns="91440" tIns="45720" rIns="91440" bIns="45720" rtlCol="0" anchor="b"/>
+          <a:lstStyle>
+            <a:lvl1pPr algn="l">
+              <a:defRPr sz="1200"/>
+            </a:lvl1pPr>
+          </a:lstStyle>
+          <a:p>
+            <a:endParaRPr lang="en-US"/>
+          </a:p>
+        </p:txBody>
+      </p:sp>
+      <p:sp>
+        <p:nvSpPr>
+          <p:cNvPr id="7" name="Slide Number Placeholder 6"/>
+          <p:cNvSpPr>
+            <a:spLocks noGrp="1"/>
+          </p:cNvSpPr>
+          <p:nvPr>
+            <p:ph type="sldNum" sz="quarter" idx="5"/>
+          </p:nvPr>
+        </p:nvSpPr>
+        <p:spPr>
+          <a:xfrm>
+            <a:off x="3884613" y="8685213"/>
+            <a:ext cx="2971800" cy="457200"/>
+          </a:xfrm>
+          <a:prstGeom prst="rect">
+            <a:avLst/>
+          </a:prstGeom>
+        </p:spPr>
+        <p:txBody>
+          <a:bodyPr vert="horz" lIns="91440" tIns="45720" rIns="91440" bIns="45720" rtlCol="0" anchor="b"/>
+          <a:lstStyle>
+            <a:lvl1pPr algn="r">
+              <a:defRPr sz="1200"/>
+            </a:lvl1pPr>
+          </a:lstStyle>
+          <a:p>
+            <a:fld id="{A91E38C1-8C59-43C3-B6E9-D750F3A79330}" type="slidenum">
+              <a:rPr lang="en-US" smtClean="0"/>
+              <a:t>‹#›</a:t>
+            </a:fld>
+            <a:endParaRPr lang="en-US"/>
+          </a:p>
+        </p:txBody>
+      </p:sp>
+    </p:spTree>
+  </p:cSld>
+  <p:clrMap bg1="lt1" tx1="dk1" bg2="lt2" tx2="dk2" accent1="accent1" accent2="accent2" accent3="accent3" accent4="accent4" accent5="accent5" accent6="accent6" hlink="hlink" folHlink="folHlink"/>
+  <p:notesStyle>
+    <a:lvl1pPr marL="0" algn="l" defTabSz="914400" rtl="0" eaLnBrk="1" latinLnBrk="0" hangingPunct="1">
+      <a:defRPr sz="1200" kern="1200">
+        <a:solidFill>
+          <a:schemeClr val="tx1"/>
+        </a:solidFill>
+        <a:latin typeface="+mn-lt"/>
+        <a:ea typeface="+mn-ea"/>
+        <a:cs typeface="+mn-cs"/>
+      </a:defRPr>
+    </a:lvl1pPr>
+    <a:lvl2pPr marL="457200" algn="l" defTabSz="914400" rtl="0" eaLnBrk="1" latinLnBrk="0" hangingPunct="1">
+      <a:defRPr sz="1200" kern="1200">
+        <a:solidFill>
+          <a:schemeClr val="tx1"/>
+        </a:solidFill>
+        <a:latin typeface="+mn-lt"/>
+        <a:ea typeface="+mn-ea"/>
+        <a:cs typeface="+mn-cs"/>
+      </a:defRPr>
+    </a:lvl2pPr>
+    <a:lvl3pPr marL="914400" algn="l" defTabSz="914400" rtl="0" eaLnBrk="1" latinLnBrk="0" hangingPunct="1">
+      <a:defRPr sz="1200" kern="1200">
+        <a:solidFill>
+          <a:schemeClr val="tx1"/>
+        </a:solidFill>
+        <a:latin typeface="+mn-lt"/>
+        <a:ea typeface="+mn-ea"/>
+        <a:cs typeface="+mn-cs"/>
+      </a:defRPr>
+    </a:lvl3pPr>
+    <a:lvl4pPr marL="1371600" algn="l" defTabSz="914400" rtl="0" eaLnBrk="1" latinLnBrk="0" hangingPunct="1">
+      <a:defRPr sz="1200" kern="1200">
+        <a:solidFill>
+          <a:schemeClr val="tx1"/>
+        </a:solidFill>
+        <a:latin typeface="+mn-lt"/>
+        <a:ea typeface="+mn-ea"/>
+        <a:cs typeface="+mn-cs"/>
+      </a:defRPr>
+    </a:lvl4pPr>
+    <a:lvl5pPr marL="1828800" algn="l" defTabSz="914400" rtl="0" eaLnBrk="1" latinLnBrk="0" hangingPunct="1">
+      <a:defRPr sz="1200" kern="1200">
+        <a:solidFill>
+          <a:schemeClr val="tx1"/>
+        </a:solidFill>
+        <a:latin typeface="+mn-lt"/>
+        <a:ea typeface="+mn-ea"/>
+        <a:cs typeface="+mn-cs"/>
+      </a:defRPr>
+    </a:lvl5pPr>
+    <a:lvl6pPr marL="2286000" algn="l" defTabSz="914400" rtl="0" eaLnBrk="1" latinLnBrk="0" hangingPunct="1">
+      <a:defRPr sz="1200" kern="1200">
+        <a:solidFill>
+          <a:schemeClr val="tx1"/>
+        </a:solidFill>
+        <a:latin typeface="+mn-lt"/>
+        <a:ea typeface="+mn-ea"/>
+        <a:cs typeface="+mn-cs"/>
+      </a:defRPr>
+    </a:lvl6pPr>
+    <a:lvl7pPr marL="2743200" algn="l" defTabSz="914400" rtl="0" eaLnBrk="1" latinLnBrk="0" hangingPunct="1">
+      <a:defRPr sz="1200" kern="1200">
+        <a:solidFill>
+          <a:schemeClr val="tx1"/>
+        </a:solidFill>
+        <a:latin typeface="+mn-lt"/>
+        <a:ea typeface="+mn-ea"/>
+        <a:cs typeface="+mn-cs"/>
+      </a:defRPr>
+    </a:lvl7pPr>
+    <a:lvl8pPr marL="3200400" algn="l" defTabSz="914400" rtl="0" eaLnBrk="1" latinLnBrk="0" hangingPunct="1">
+      <a:defRPr sz="1200" kern="1200">
+        <a:solidFill>
+          <a:schemeClr val="tx1"/>
+        </a:solidFill>
+        <a:latin typeface="+mn-lt"/>
+        <a:ea typeface="+mn-ea"/>
+        <a:cs typeface="+mn-cs"/>
+      </a:defRPr>
+    </a:lvl8pPr>
+    <a:lvl9pPr marL="3657600" algn="l" defTabSz="914400" rtl="0" eaLnBrk="1" latinLnBrk="0" hangingPunct="1">
+      <a:defRPr sz="1200" kern="1200">
+        <a:solidFill>
+          <a:schemeClr val="tx1"/>
+        </a:solidFill>
+        <a:latin typeface="+mn-lt"/>
+        <a:ea typeface="+mn-ea"/>
+        <a:cs typeface="+mn-cs"/>
+      </a:defRPr>
+    </a:lvl9pPr>
+  </p:notesStyle>
+</p:notesMaster>
+</file>
+
 <file path=ppt/slideLayouts/slideLayout1.xml><?xml version="1.0" encoding="utf-8"?>
 <p:sldLayout xmlns:a="http://schemas.openxmlformats.org/drawingml/2006/main" xmlns:r="http://schemas.openxmlformats.org/officeDocument/2006/relationships" xmlns:p="http://schemas.openxmlformats.org/presentationml/2006/main" type="title" preserve="1">
   <p:cSld name="Title Slide">
@@ -287,10 +641,10 @@
           <a:bodyPr/>
           <a:lstStyle/>
           <a:p>
-            <a:fld id="{DF84E06B-F46E-4894-855F-EB35A87A0143}" type="datetimeFigureOut">
-              <a:rPr lang="en-US" smtClean="0"/>
-              <a:t>8/29/2019</a:t>
-            </a:fld>
+            <a:r>
+              <a:rPr lang="en-US" smtClean="0"/>
+              <a:t>30/082019</a:t>
+            </a:r>
             <a:endParaRPr lang="en-US"/>
           </a:p>
         </p:txBody>
@@ -310,6 +664,10 @@
           <a:bodyPr/>
           <a:lstStyle/>
           <a:p>
+            <a:r>
+              <a:rPr lang="en-US" smtClean="0"/>
+              <a:t>Ismail Joseph @Clariba</a:t>
+            </a:r>
             <a:endParaRPr lang="en-US"/>
           </a:p>
         </p:txBody>
@@ -331,6 +689,7 @@
           <a:p>
             <a:fld id="{DD20A2E5-6066-42A7-9FA8-39AC0F133469}" type="slidenum">
               <a:rPr lang="en-US" smtClean="0"/>
+              <a:pPr/>
               <a:t>‹#›</a:t>
             </a:fld>
             <a:endParaRPr lang="en-US"/>
@@ -452,10 +811,10 @@
           <a:bodyPr/>
           <a:lstStyle/>
           <a:p>
-            <a:fld id="{DF84E06B-F46E-4894-855F-EB35A87A0143}" type="datetimeFigureOut">
-              <a:rPr lang="en-US" smtClean="0"/>
-              <a:t>8/29/2019</a:t>
-            </a:fld>
+            <a:r>
+              <a:rPr lang="en-US" smtClean="0"/>
+              <a:t>30/082019</a:t>
+            </a:r>
             <a:endParaRPr lang="en-US"/>
           </a:p>
         </p:txBody>
@@ -475,6 +834,10 @@
           <a:bodyPr/>
           <a:lstStyle/>
           <a:p>
+            <a:r>
+              <a:rPr lang="en-US" smtClean="0"/>
+              <a:t>Ismail Joseph @Clariba</a:t>
+            </a:r>
             <a:endParaRPr lang="en-US"/>
           </a:p>
         </p:txBody>
@@ -496,6 +859,7 @@
           <a:p>
             <a:fld id="{DD20A2E5-6066-42A7-9FA8-39AC0F133469}" type="slidenum">
               <a:rPr lang="en-US" smtClean="0"/>
+              <a:pPr/>
               <a:t>‹#›</a:t>
             </a:fld>
             <a:endParaRPr lang="en-US"/>
@@ -627,10 +991,10 @@
           <a:bodyPr/>
           <a:lstStyle/>
           <a:p>
-            <a:fld id="{DF84E06B-F46E-4894-855F-EB35A87A0143}" type="datetimeFigureOut">
-              <a:rPr lang="en-US" smtClean="0"/>
-              <a:t>8/29/2019</a:t>
-            </a:fld>
+            <a:r>
+              <a:rPr lang="en-US" smtClean="0"/>
+              <a:t>30/082019</a:t>
+            </a:r>
             <a:endParaRPr lang="en-US"/>
           </a:p>
         </p:txBody>
@@ -650,6 +1014,10 @@
           <a:bodyPr/>
           <a:lstStyle/>
           <a:p>
+            <a:r>
+              <a:rPr lang="en-US" smtClean="0"/>
+              <a:t>Ismail Joseph @Clariba</a:t>
+            </a:r>
             <a:endParaRPr lang="en-US"/>
           </a:p>
         </p:txBody>
@@ -671,6 +1039,7 @@
           <a:p>
             <a:fld id="{DD20A2E5-6066-42A7-9FA8-39AC0F133469}" type="slidenum">
               <a:rPr lang="en-US" smtClean="0"/>
+              <a:pPr/>
               <a:t>‹#›</a:t>
             </a:fld>
             <a:endParaRPr lang="en-US"/>
@@ -792,10 +1161,10 @@
           <a:bodyPr/>
           <a:lstStyle/>
           <a:p>
-            <a:fld id="{DF84E06B-F46E-4894-855F-EB35A87A0143}" type="datetimeFigureOut">
-              <a:rPr lang="en-US" smtClean="0"/>
-              <a:t>8/29/2019</a:t>
-            </a:fld>
+            <a:r>
+              <a:rPr lang="en-US" smtClean="0"/>
+              <a:t>30/082019</a:t>
+            </a:r>
             <a:endParaRPr lang="en-US"/>
           </a:p>
         </p:txBody>
@@ -815,6 +1184,10 @@
           <a:bodyPr/>
           <a:lstStyle/>
           <a:p>
+            <a:r>
+              <a:rPr lang="en-US" smtClean="0"/>
+              <a:t>Ismail Joseph @Clariba</a:t>
+            </a:r>
             <a:endParaRPr lang="en-US"/>
           </a:p>
         </p:txBody>
@@ -836,6 +1209,7 @@
           <a:p>
             <a:fld id="{DD20A2E5-6066-42A7-9FA8-39AC0F133469}" type="slidenum">
               <a:rPr lang="en-US" smtClean="0"/>
+              <a:pPr/>
               <a:t>‹#›</a:t>
             </a:fld>
             <a:endParaRPr lang="en-US"/>
@@ -1033,10 +1407,10 @@
           <a:bodyPr/>
           <a:lstStyle/>
           <a:p>
-            <a:fld id="{DF84E06B-F46E-4894-855F-EB35A87A0143}" type="datetimeFigureOut">
-              <a:rPr lang="en-US" smtClean="0"/>
-              <a:t>8/29/2019</a:t>
-            </a:fld>
+            <a:r>
+              <a:rPr lang="en-US" smtClean="0"/>
+              <a:t>30/082019</a:t>
+            </a:r>
             <a:endParaRPr lang="en-US"/>
           </a:p>
         </p:txBody>
@@ -1056,6 +1430,10 @@
           <a:bodyPr/>
           <a:lstStyle/>
           <a:p>
+            <a:r>
+              <a:rPr lang="en-US" smtClean="0"/>
+              <a:t>Ismail Joseph @Clariba</a:t>
+            </a:r>
             <a:endParaRPr lang="en-US"/>
           </a:p>
         </p:txBody>
@@ -1077,6 +1455,7 @@
           <a:p>
             <a:fld id="{DD20A2E5-6066-42A7-9FA8-39AC0F133469}" type="slidenum">
               <a:rPr lang="en-US" smtClean="0"/>
+              <a:pPr/>
               <a:t>‹#›</a:t>
             </a:fld>
             <a:endParaRPr lang="en-US"/>
@@ -1316,10 +1695,10 @@
           <a:bodyPr/>
           <a:lstStyle/>
           <a:p>
-            <a:fld id="{DF84E06B-F46E-4894-855F-EB35A87A0143}" type="datetimeFigureOut">
-              <a:rPr lang="en-US" smtClean="0"/>
-              <a:t>8/29/2019</a:t>
-            </a:fld>
+            <a:r>
+              <a:rPr lang="en-US" smtClean="0"/>
+              <a:t>30/082019</a:t>
+            </a:r>
             <a:endParaRPr lang="en-US"/>
           </a:p>
         </p:txBody>
@@ -1339,6 +1718,10 @@
           <a:bodyPr/>
           <a:lstStyle/>
           <a:p>
+            <a:r>
+              <a:rPr lang="en-US" smtClean="0"/>
+              <a:t>Ismail Joseph @Clariba</a:t>
+            </a:r>
             <a:endParaRPr lang="en-US"/>
           </a:p>
         </p:txBody>
@@ -1360,6 +1743,7 @@
           <a:p>
             <a:fld id="{DD20A2E5-6066-42A7-9FA8-39AC0F133469}" type="slidenum">
               <a:rPr lang="en-US" smtClean="0"/>
+              <a:pPr/>
               <a:t>‹#›</a:t>
             </a:fld>
             <a:endParaRPr lang="en-US"/>
@@ -1733,10 +2117,10 @@
           <a:bodyPr/>
           <a:lstStyle/>
           <a:p>
-            <a:fld id="{DF84E06B-F46E-4894-855F-EB35A87A0143}" type="datetimeFigureOut">
-              <a:rPr lang="en-US" smtClean="0"/>
-              <a:t>8/29/2019</a:t>
-            </a:fld>
+            <a:r>
+              <a:rPr lang="en-US" smtClean="0"/>
+              <a:t>30/082019</a:t>
+            </a:r>
             <a:endParaRPr lang="en-US"/>
           </a:p>
         </p:txBody>
@@ -1756,6 +2140,10 @@
           <a:bodyPr/>
           <a:lstStyle/>
           <a:p>
+            <a:r>
+              <a:rPr lang="en-US" smtClean="0"/>
+              <a:t>Ismail Joseph @Clariba</a:t>
+            </a:r>
             <a:endParaRPr lang="en-US"/>
           </a:p>
         </p:txBody>
@@ -1777,6 +2165,7 @@
           <a:p>
             <a:fld id="{DD20A2E5-6066-42A7-9FA8-39AC0F133469}" type="slidenum">
               <a:rPr lang="en-US" smtClean="0"/>
+              <a:pPr/>
               <a:t>‹#›</a:t>
             </a:fld>
             <a:endParaRPr lang="en-US"/>
@@ -1846,10 +2235,10 @@
           <a:bodyPr/>
           <a:lstStyle/>
           <a:p>
-            <a:fld id="{DF84E06B-F46E-4894-855F-EB35A87A0143}" type="datetimeFigureOut">
-              <a:rPr lang="en-US" smtClean="0"/>
-              <a:t>8/29/2019</a:t>
-            </a:fld>
+            <a:r>
+              <a:rPr lang="en-US" smtClean="0"/>
+              <a:t>30/082019</a:t>
+            </a:r>
             <a:endParaRPr lang="en-US"/>
           </a:p>
         </p:txBody>
@@ -1869,6 +2258,10 @@
           <a:bodyPr/>
           <a:lstStyle/>
           <a:p>
+            <a:r>
+              <a:rPr lang="en-US" smtClean="0"/>
+              <a:t>Ismail Joseph @Clariba</a:t>
+            </a:r>
             <a:endParaRPr lang="en-US"/>
           </a:p>
         </p:txBody>
@@ -1890,6 +2283,7 @@
           <a:p>
             <a:fld id="{DD20A2E5-6066-42A7-9FA8-39AC0F133469}" type="slidenum">
               <a:rPr lang="en-US" smtClean="0"/>
+              <a:pPr/>
               <a:t>‹#›</a:t>
             </a:fld>
             <a:endParaRPr lang="en-US"/>
@@ -1936,10 +2330,10 @@
           <a:bodyPr/>
           <a:lstStyle/>
           <a:p>
-            <a:fld id="{DF84E06B-F46E-4894-855F-EB35A87A0143}" type="datetimeFigureOut">
-              <a:rPr lang="en-US" smtClean="0"/>
-              <a:t>8/29/2019</a:t>
-            </a:fld>
+            <a:r>
+              <a:rPr lang="en-US" smtClean="0"/>
+              <a:t>30/082019</a:t>
+            </a:r>
             <a:endParaRPr lang="en-US"/>
           </a:p>
         </p:txBody>
@@ -1959,6 +2353,10 @@
           <a:bodyPr/>
           <a:lstStyle/>
           <a:p>
+            <a:r>
+              <a:rPr lang="en-US" smtClean="0"/>
+              <a:t>Ismail Joseph @Clariba</a:t>
+            </a:r>
             <a:endParaRPr lang="en-US"/>
           </a:p>
         </p:txBody>
@@ -1980,6 +2378,7 @@
           <a:p>
             <a:fld id="{DD20A2E5-6066-42A7-9FA8-39AC0F133469}" type="slidenum">
               <a:rPr lang="en-US" smtClean="0"/>
+              <a:pPr/>
               <a:t>‹#›</a:t>
             </a:fld>
             <a:endParaRPr lang="en-US"/>
@@ -2208,10 +2607,10 @@
           <a:bodyPr/>
           <a:lstStyle/>
           <a:p>
-            <a:fld id="{DF84E06B-F46E-4894-855F-EB35A87A0143}" type="datetimeFigureOut">
-              <a:rPr lang="en-US" smtClean="0"/>
-              <a:t>8/29/2019</a:t>
-            </a:fld>
+            <a:r>
+              <a:rPr lang="en-US" smtClean="0"/>
+              <a:t>30/082019</a:t>
+            </a:r>
             <a:endParaRPr lang="en-US"/>
           </a:p>
         </p:txBody>
@@ -2231,6 +2630,10 @@
           <a:bodyPr/>
           <a:lstStyle/>
           <a:p>
+            <a:r>
+              <a:rPr lang="en-US" smtClean="0"/>
+              <a:t>Ismail Joseph @Clariba</a:t>
+            </a:r>
             <a:endParaRPr lang="en-US"/>
           </a:p>
         </p:txBody>
@@ -2252,6 +2655,7 @@
           <a:p>
             <a:fld id="{DD20A2E5-6066-42A7-9FA8-39AC0F133469}" type="slidenum">
               <a:rPr lang="en-US" smtClean="0"/>
+              <a:pPr/>
               <a:t>‹#›</a:t>
             </a:fld>
             <a:endParaRPr lang="en-US"/>
@@ -2456,10 +2860,10 @@
           <a:bodyPr/>
           <a:lstStyle/>
           <a:p>
-            <a:fld id="{DF84E06B-F46E-4894-855F-EB35A87A0143}" type="datetimeFigureOut">
-              <a:rPr lang="en-US" smtClean="0"/>
-              <a:t>8/29/2019</a:t>
-            </a:fld>
+            <a:r>
+              <a:rPr lang="en-US" smtClean="0"/>
+              <a:t>30/082019</a:t>
+            </a:r>
             <a:endParaRPr lang="en-US"/>
           </a:p>
         </p:txBody>
@@ -2479,6 +2883,10 @@
           <a:bodyPr/>
           <a:lstStyle/>
           <a:p>
+            <a:r>
+              <a:rPr lang="en-US" smtClean="0"/>
+              <a:t>Ismail Joseph @Clariba</a:t>
+            </a:r>
             <a:endParaRPr lang="en-US"/>
           </a:p>
         </p:txBody>
@@ -2500,6 +2908,7 @@
           <a:p>
             <a:fld id="{DD20A2E5-6066-42A7-9FA8-39AC0F133469}" type="slidenum">
               <a:rPr lang="en-US" smtClean="0"/>
+              <a:pPr/>
               <a:t>‹#›</a:t>
             </a:fld>
             <a:endParaRPr lang="en-US"/>
@@ -2664,10 +3073,10 @@
             </a:lvl1pPr>
           </a:lstStyle>
           <a:p>
-            <a:fld id="{DF84E06B-F46E-4894-855F-EB35A87A0143}" type="datetimeFigureOut">
-              <a:rPr lang="en-US" smtClean="0"/>
-              <a:t>8/29/2019</a:t>
-            </a:fld>
+            <a:r>
+              <a:rPr lang="en-US" smtClean="0"/>
+              <a:t>30/082019</a:t>
+            </a:r>
             <a:endParaRPr lang="en-US"/>
           </a:p>
         </p:txBody>
@@ -2705,6 +3114,10 @@
             </a:lvl1pPr>
           </a:lstStyle>
           <a:p>
+            <a:r>
+              <a:rPr lang="en-US" smtClean="0"/>
+              <a:t>Ismail Joseph @Clariba</a:t>
+            </a:r>
             <a:endParaRPr lang="en-US"/>
           </a:p>
         </p:txBody>
@@ -2744,6 +3157,7 @@
           <a:p>
             <a:fld id="{DD20A2E5-6066-42A7-9FA8-39AC0F133469}" type="slidenum">
               <a:rPr lang="en-US" smtClean="0"/>
+              <a:pPr/>
               <a:t>‹#›</a:t>
             </a:fld>
             <a:endParaRPr lang="en-US"/>
@@ -2766,6 +3180,7 @@
     <p:sldLayoutId id="2147483658" r:id="rId10"/>
     <p:sldLayoutId id="2147483659" r:id="rId11"/>
   </p:sldLayoutIdLst>
+  <p:hf hdr="0"/>
   <p:txStyles>
     <p:titleStyle>
       <a:lvl1pPr algn="ctr" defTabSz="914400" rtl="0" eaLnBrk="1" latinLnBrk="0" hangingPunct="1">
@@ -3088,7 +3503,7 @@
           <a:p>
             <a:r>
               <a:rPr lang="fr-BE" dirty="0" err="1" smtClean="0"/>
-              <a:t>Iconic</a:t>
+              <a:t>Ionic</a:t>
             </a:r>
             <a:r>
               <a:rPr lang="fr-BE" dirty="0" smtClean="0"/>
@@ -3099,6 +3514,76 @@
               <a:t>App</a:t>
             </a:r>
             <a:endParaRPr lang="en-US" dirty="0"/>
+          </a:p>
+        </p:txBody>
+      </p:sp>
+      <p:sp>
+        <p:nvSpPr>
+          <p:cNvPr id="4" name="Date Placeholder 3"/>
+          <p:cNvSpPr>
+            <a:spLocks noGrp="1"/>
+          </p:cNvSpPr>
+          <p:nvPr>
+            <p:ph type="dt" sz="half" idx="10"/>
+          </p:nvPr>
+        </p:nvSpPr>
+        <p:spPr/>
+        <p:txBody>
+          <a:bodyPr/>
+          <a:lstStyle/>
+          <a:p>
+            <a:r>
+              <a:rPr lang="en-US" smtClean="0"/>
+              <a:t>30/082019</a:t>
+            </a:r>
+            <a:endParaRPr lang="en-US"/>
+          </a:p>
+        </p:txBody>
+      </p:sp>
+      <p:sp>
+        <p:nvSpPr>
+          <p:cNvPr id="5" name="Slide Number Placeholder 4"/>
+          <p:cNvSpPr>
+            <a:spLocks noGrp="1"/>
+          </p:cNvSpPr>
+          <p:nvPr>
+            <p:ph type="sldNum" sz="quarter" idx="12"/>
+          </p:nvPr>
+        </p:nvSpPr>
+        <p:spPr/>
+        <p:txBody>
+          <a:bodyPr/>
+          <a:lstStyle/>
+          <a:p>
+            <a:fld id="{DD20A2E5-6066-42A7-9FA8-39AC0F133469}" type="slidenum">
+              <a:rPr lang="en-US" smtClean="0"/>
+              <a:pPr/>
+              <a:t>1</a:t>
+            </a:fld>
+            <a:endParaRPr lang="en-US"/>
+          </a:p>
+        </p:txBody>
+      </p:sp>
+      <p:sp>
+        <p:nvSpPr>
+          <p:cNvPr id="6" name="Footer Placeholder 5"/>
+          <p:cNvSpPr>
+            <a:spLocks noGrp="1"/>
+          </p:cNvSpPr>
+          <p:nvPr>
+            <p:ph type="ftr" sz="quarter" idx="11"/>
+          </p:nvPr>
+        </p:nvSpPr>
+        <p:spPr/>
+        <p:txBody>
+          <a:bodyPr/>
+          <a:lstStyle/>
+          <a:p>
+            <a:r>
+              <a:rPr lang="en-US" smtClean="0"/>
+              <a:t>Ismail Joseph @Clariba</a:t>
+            </a:r>
+            <a:endParaRPr lang="en-US"/>
           </a:p>
         </p:txBody>
       </p:sp>
@@ -3143,25 +3628,107 @@
           <a:lstStyle/>
           <a:p>
             <a:r>
+              <a:rPr lang="en-US" dirty="0" smtClean="0"/>
+              <a:t>Ismail Joseph - Presentation</a:t>
+            </a:r>
+            <a:endParaRPr lang="en-US" dirty="0"/>
+          </a:p>
+        </p:txBody>
+      </p:sp>
+      <p:sp>
+        <p:nvSpPr>
+          <p:cNvPr id="3" name="Content Placeholder 2"/>
+          <p:cNvSpPr>
+            <a:spLocks noGrp="1"/>
+          </p:cNvSpPr>
+          <p:nvPr>
+            <p:ph idx="1"/>
+          </p:nvPr>
+        </p:nvSpPr>
+        <p:spPr/>
+        <p:txBody>
+          <a:bodyPr>
+            <a:normAutofit/>
+          </a:bodyPr>
+          <a:lstStyle/>
+          <a:p>
+            <a:r>
+              <a:rPr lang="en-US" dirty="0" smtClean="0"/>
+              <a:t>Human being born on June the 23rd 1992 in </a:t>
+            </a:r>
+            <a:r>
+              <a:rPr lang="en-US" dirty="0" err="1" smtClean="0"/>
+              <a:t>Dinant</a:t>
+            </a:r>
+            <a:r>
+              <a:rPr lang="en-US" dirty="0" smtClean="0"/>
+              <a:t>, Belgium</a:t>
+            </a:r>
+          </a:p>
+          <a:p>
+            <a:pPr>
+              <a:buNone/>
+            </a:pPr>
+            <a:endParaRPr lang="en-US" dirty="0" smtClean="0"/>
+          </a:p>
+          <a:p>
+            <a:r>
+              <a:rPr lang="en-US" dirty="0" smtClean="0"/>
+              <a:t>Lived, studied and worked mainly in Belgium</a:t>
+            </a:r>
+          </a:p>
+          <a:p>
+            <a:pPr lvl="1"/>
+            <a:r>
+              <a:rPr lang="en-US" dirty="0" smtClean="0"/>
+              <a:t>Business Engineering studies (5 years)</a:t>
+            </a:r>
+          </a:p>
+          <a:p>
+            <a:pPr lvl="1"/>
+            <a:r>
+              <a:rPr lang="en-US" dirty="0" smtClean="0"/>
+              <a:t>SAP GTS Consultant @Deloitte (2 years)</a:t>
+            </a:r>
+          </a:p>
+          <a:p>
+            <a:pPr lvl="1"/>
+            <a:r>
+              <a:rPr lang="en-US" dirty="0" smtClean="0"/>
+              <a:t>Junior Web developer @</a:t>
+            </a:r>
+            <a:r>
+              <a:rPr lang="en-US" dirty="0" err="1" smtClean="0"/>
+              <a:t>BeCode.org</a:t>
+            </a:r>
+            <a:endParaRPr lang="en-US" dirty="0" smtClean="0"/>
+          </a:p>
+          <a:p>
+            <a:pPr lvl="1"/>
+            <a:r>
               <a:rPr lang="fr-BE" dirty="0" smtClean="0"/>
-              <a:t>Ismail Joseph - </a:t>
+              <a:t>And </a:t>
             </a:r>
             <a:r>
               <a:rPr lang="fr-BE" dirty="0" err="1" smtClean="0"/>
-              <a:t>Presentation</a:t>
-            </a:r>
-            <a:endParaRPr lang="en-US" dirty="0"/>
-          </a:p>
-        </p:txBody>
-      </p:sp>
-      <p:sp>
-        <p:nvSpPr>
-          <p:cNvPr id="3" name="Content Placeholder 2"/>
-          <p:cNvSpPr>
-            <a:spLocks noGrp="1"/>
-          </p:cNvSpPr>
-          <p:nvPr>
-            <p:ph idx="1"/>
+              <a:t>much</a:t>
+            </a:r>
+            <a:r>
+              <a:rPr lang="fr-BE" dirty="0" smtClean="0"/>
+              <a:t> more</a:t>
+            </a:r>
+            <a:endParaRPr lang="en-US" dirty="0" smtClean="0"/>
+          </a:p>
+        </p:txBody>
+      </p:sp>
+      <p:sp>
+        <p:nvSpPr>
+          <p:cNvPr id="4" name="Date Placeholder 3"/>
+          <p:cNvSpPr>
+            <a:spLocks noGrp="1"/>
+          </p:cNvSpPr>
+          <p:nvPr>
+            <p:ph type="dt" sz="half" idx="10"/>
           </p:nvPr>
         </p:nvSpPr>
         <p:spPr/>
@@ -3170,126 +3737,57 @@
           <a:lstStyle/>
           <a:p>
             <a:r>
-              <a:rPr lang="fr-BE" dirty="0" err="1" smtClean="0"/>
-              <a:t>Human</a:t>
-            </a:r>
-            <a:r>
-              <a:rPr lang="fr-BE" dirty="0" smtClean="0"/>
-              <a:t> </a:t>
-            </a:r>
-            <a:r>
-              <a:rPr lang="fr-BE" dirty="0" err="1" smtClean="0"/>
-              <a:t>born</a:t>
-            </a:r>
-            <a:r>
-              <a:rPr lang="fr-BE" dirty="0" smtClean="0"/>
-              <a:t> on </a:t>
-            </a:r>
-            <a:r>
-              <a:rPr lang="fr-BE" dirty="0" err="1" smtClean="0"/>
-              <a:t>June</a:t>
-            </a:r>
-            <a:r>
-              <a:rPr lang="fr-BE" dirty="0" smtClean="0"/>
-              <a:t> the 23rd 1992 in Dinant, </a:t>
-            </a:r>
-            <a:r>
-              <a:rPr lang="fr-BE" dirty="0" err="1" smtClean="0"/>
-              <a:t>Belgium</a:t>
-            </a:r>
-            <a:endParaRPr lang="fr-BE" dirty="0" smtClean="0"/>
-          </a:p>
-          <a:p>
-            <a:r>
-              <a:rPr lang="fr-BE" dirty="0" err="1" smtClean="0"/>
-              <a:t>Lived</a:t>
-            </a:r>
-            <a:r>
-              <a:rPr lang="fr-BE" dirty="0" smtClean="0"/>
-              <a:t>, </a:t>
-            </a:r>
-            <a:r>
-              <a:rPr lang="fr-BE" dirty="0" err="1" smtClean="0"/>
-              <a:t>studied</a:t>
-            </a:r>
-            <a:r>
-              <a:rPr lang="fr-BE" dirty="0" smtClean="0"/>
-              <a:t> and </a:t>
-            </a:r>
-            <a:r>
-              <a:rPr lang="fr-BE" dirty="0" err="1" smtClean="0"/>
-              <a:t>worked</a:t>
-            </a:r>
-            <a:r>
-              <a:rPr lang="fr-BE" dirty="0" smtClean="0"/>
-              <a:t> </a:t>
-            </a:r>
-            <a:r>
-              <a:rPr lang="fr-BE" dirty="0" err="1" smtClean="0"/>
-              <a:t>mainly</a:t>
-            </a:r>
-            <a:r>
-              <a:rPr lang="fr-BE" dirty="0" smtClean="0"/>
-              <a:t> in Brussels</a:t>
-            </a:r>
-          </a:p>
-          <a:p>
-            <a:pPr lvl="1"/>
-            <a:r>
-              <a:rPr lang="fr-BE" dirty="0" smtClean="0"/>
-              <a:t>Business Engineering </a:t>
-            </a:r>
-            <a:r>
-              <a:rPr lang="fr-BE" dirty="0" err="1" smtClean="0"/>
-              <a:t>studies</a:t>
-            </a:r>
-            <a:r>
-              <a:rPr lang="fr-BE" dirty="0" smtClean="0"/>
-              <a:t> (5 </a:t>
-            </a:r>
-            <a:r>
-              <a:rPr lang="fr-BE" dirty="0" err="1" smtClean="0"/>
-              <a:t>years</a:t>
-            </a:r>
-            <a:r>
-              <a:rPr lang="fr-BE" dirty="0" smtClean="0"/>
-              <a:t>)</a:t>
-            </a:r>
-          </a:p>
-          <a:p>
-            <a:pPr lvl="1"/>
-            <a:r>
-              <a:rPr lang="fr-BE" dirty="0" smtClean="0"/>
-              <a:t>SAP GTS Consultant @Deloitte (2 </a:t>
-            </a:r>
-            <a:r>
-              <a:rPr lang="fr-BE" dirty="0" err="1" smtClean="0"/>
-              <a:t>years</a:t>
-            </a:r>
-            <a:r>
-              <a:rPr lang="fr-BE" dirty="0" smtClean="0"/>
-              <a:t>)</a:t>
-            </a:r>
-          </a:p>
-          <a:p>
-            <a:pPr lvl="1"/>
-            <a:r>
-              <a:rPr lang="fr-BE" dirty="0" smtClean="0"/>
-              <a:t>Junior Web </a:t>
-            </a:r>
-            <a:r>
-              <a:rPr lang="fr-BE" dirty="0" err="1" smtClean="0"/>
-              <a:t>developer</a:t>
-            </a:r>
-            <a:r>
-              <a:rPr lang="fr-BE" dirty="0" smtClean="0"/>
-              <a:t> @</a:t>
-            </a:r>
-            <a:r>
-              <a:rPr lang="fr-BE" smtClean="0"/>
-              <a:t>BeCode.org</a:t>
-            </a:r>
-            <a:endParaRPr lang="en-US" dirty="0"/>
+              <a:rPr lang="en-US" smtClean="0"/>
+              <a:t>30/082019</a:t>
+            </a:r>
+            <a:endParaRPr lang="en-US"/>
+          </a:p>
+        </p:txBody>
+      </p:sp>
+      <p:sp>
+        <p:nvSpPr>
+          <p:cNvPr id="5" name="Slide Number Placeholder 4"/>
+          <p:cNvSpPr>
+            <a:spLocks noGrp="1"/>
+          </p:cNvSpPr>
+          <p:nvPr>
+            <p:ph type="sldNum" sz="quarter" idx="12"/>
+          </p:nvPr>
+        </p:nvSpPr>
+        <p:spPr/>
+        <p:txBody>
+          <a:bodyPr/>
+          <a:lstStyle/>
+          <a:p>
+            <a:fld id="{DD20A2E5-6066-42A7-9FA8-39AC0F133469}" type="slidenum">
+              <a:rPr lang="en-US" smtClean="0"/>
+              <a:pPr/>
+              <a:t>2</a:t>
+            </a:fld>
+            <a:endParaRPr lang="en-US"/>
+          </a:p>
+        </p:txBody>
+      </p:sp>
+      <p:sp>
+        <p:nvSpPr>
+          <p:cNvPr id="6" name="Footer Placeholder 5"/>
+          <p:cNvSpPr>
+            <a:spLocks noGrp="1"/>
+          </p:cNvSpPr>
+          <p:nvPr>
+            <p:ph type="ftr" sz="quarter" idx="11"/>
+          </p:nvPr>
+        </p:nvSpPr>
+        <p:spPr/>
+        <p:txBody>
+          <a:bodyPr/>
+          <a:lstStyle/>
+          <a:p>
+            <a:r>
+              <a:rPr lang="en-US" smtClean="0"/>
+              <a:t>Ismail Joseph @Clariba</a:t>
+            </a:r>
+            <a:endParaRPr lang="en-US"/>
           </a:p>
         </p:txBody>
       </p:sp>
@@ -3298,6 +3796,2310 @@
   <p:clrMapOvr>
     <a:masterClrMapping/>
   </p:clrMapOvr>
+</p:sld>
+</file>
+
+<file path=ppt/slides/slide3.xml><?xml version="1.0" encoding="utf-8"?>
+<p:sld xmlns:a="http://schemas.openxmlformats.org/drawingml/2006/main" xmlns:r="http://schemas.openxmlformats.org/officeDocument/2006/relationships" xmlns:p="http://schemas.openxmlformats.org/presentationml/2006/main">
+  <p:cSld>
+    <p:spTree>
+      <p:nvGrpSpPr>
+        <p:cNvPr id="1" name=""/>
+        <p:cNvGrpSpPr/>
+        <p:nvPr/>
+      </p:nvGrpSpPr>
+      <p:grpSpPr>
+        <a:xfrm>
+          <a:off x="0" y="0"/>
+          <a:ext cx="0" cy="0"/>
+          <a:chOff x="0" y="0"/>
+          <a:chExt cx="0" cy="0"/>
+        </a:xfrm>
+      </p:grpSpPr>
+      <p:sp>
+        <p:nvSpPr>
+          <p:cNvPr id="2" name="Title 1"/>
+          <p:cNvSpPr>
+            <a:spLocks noGrp="1"/>
+          </p:cNvSpPr>
+          <p:nvPr>
+            <p:ph type="title"/>
+          </p:nvPr>
+        </p:nvSpPr>
+        <p:spPr/>
+        <p:txBody>
+          <a:bodyPr/>
+          <a:lstStyle/>
+          <a:p>
+            <a:r>
+              <a:rPr lang="en-US" smtClean="0"/>
+              <a:t>Ismail Joseph - Presentation</a:t>
+            </a:r>
+            <a:endParaRPr lang="en-US"/>
+          </a:p>
+        </p:txBody>
+      </p:sp>
+      <p:sp>
+        <p:nvSpPr>
+          <p:cNvPr id="3" name="Content Placeholder 2"/>
+          <p:cNvSpPr>
+            <a:spLocks noGrp="1"/>
+          </p:cNvSpPr>
+          <p:nvPr>
+            <p:ph idx="1"/>
+          </p:nvPr>
+        </p:nvSpPr>
+        <p:spPr/>
+        <p:txBody>
+          <a:bodyPr>
+            <a:normAutofit/>
+          </a:bodyPr>
+          <a:lstStyle/>
+          <a:p>
+            <a:r>
+              <a:rPr lang="en-US" sz="2800" dirty="0" smtClean="0"/>
+              <a:t>Analytical mindset – Problem solving &amp; Debugging – Autonomous thinking – Strong team spirit – Believing in the impossible</a:t>
+            </a:r>
+          </a:p>
+          <a:p>
+            <a:pPr>
+              <a:buNone/>
+            </a:pPr>
+            <a:endParaRPr lang="en-US" sz="2800" dirty="0" smtClean="0"/>
+          </a:p>
+          <a:p>
+            <a:r>
+              <a:rPr lang="en-US" sz="2800" dirty="0" smtClean="0"/>
+              <a:t>Likes playing Football, Cooking, Taking photographs and Travelling</a:t>
+            </a:r>
+          </a:p>
+          <a:p>
+            <a:pPr>
+              <a:buNone/>
+            </a:pPr>
+            <a:endParaRPr lang="en-US" sz="3600" dirty="0" smtClean="0"/>
+          </a:p>
+          <a:p>
+            <a:pPr algn="ctr">
+              <a:buNone/>
+            </a:pPr>
+            <a:r>
+              <a:rPr lang="en-US" sz="3600" dirty="0" smtClean="0"/>
+              <a:t>« Living crazy that’s the only way »</a:t>
+            </a:r>
+          </a:p>
+        </p:txBody>
+      </p:sp>
+      <p:sp>
+        <p:nvSpPr>
+          <p:cNvPr id="4" name="Date Placeholder 3"/>
+          <p:cNvSpPr>
+            <a:spLocks noGrp="1"/>
+          </p:cNvSpPr>
+          <p:nvPr>
+            <p:ph type="dt" sz="half" idx="10"/>
+          </p:nvPr>
+        </p:nvSpPr>
+        <p:spPr/>
+        <p:txBody>
+          <a:bodyPr/>
+          <a:lstStyle/>
+          <a:p>
+            <a:r>
+              <a:rPr lang="en-US" smtClean="0"/>
+              <a:t>30/082019</a:t>
+            </a:r>
+            <a:endParaRPr lang="en-US"/>
+          </a:p>
+        </p:txBody>
+      </p:sp>
+      <p:sp>
+        <p:nvSpPr>
+          <p:cNvPr id="5" name="Slide Number Placeholder 4"/>
+          <p:cNvSpPr>
+            <a:spLocks noGrp="1"/>
+          </p:cNvSpPr>
+          <p:nvPr>
+            <p:ph type="sldNum" sz="quarter" idx="12"/>
+          </p:nvPr>
+        </p:nvSpPr>
+        <p:spPr/>
+        <p:txBody>
+          <a:bodyPr/>
+          <a:lstStyle/>
+          <a:p>
+            <a:fld id="{DD20A2E5-6066-42A7-9FA8-39AC0F133469}" type="slidenum">
+              <a:rPr lang="en-US" smtClean="0"/>
+              <a:pPr/>
+              <a:t>3</a:t>
+            </a:fld>
+            <a:endParaRPr lang="en-US"/>
+          </a:p>
+        </p:txBody>
+      </p:sp>
+      <p:sp>
+        <p:nvSpPr>
+          <p:cNvPr id="6" name="Footer Placeholder 5"/>
+          <p:cNvSpPr>
+            <a:spLocks noGrp="1"/>
+          </p:cNvSpPr>
+          <p:nvPr>
+            <p:ph type="ftr" sz="quarter" idx="11"/>
+          </p:nvPr>
+        </p:nvSpPr>
+        <p:spPr/>
+        <p:txBody>
+          <a:bodyPr/>
+          <a:lstStyle/>
+          <a:p>
+            <a:r>
+              <a:rPr lang="en-US" smtClean="0"/>
+              <a:t>Ismail Joseph @Clariba</a:t>
+            </a:r>
+            <a:endParaRPr lang="en-US"/>
+          </a:p>
+        </p:txBody>
+      </p:sp>
+    </p:spTree>
+  </p:cSld>
+  <p:clrMapOvr>
+    <a:masterClrMapping/>
+  </p:clrMapOvr>
+</p:sld>
+</file>
+
+<file path=ppt/slides/slide4.xml><?xml version="1.0" encoding="utf-8"?>
+<p:sld xmlns:a="http://schemas.openxmlformats.org/drawingml/2006/main" xmlns:r="http://schemas.openxmlformats.org/officeDocument/2006/relationships" xmlns:p="http://schemas.openxmlformats.org/presentationml/2006/main">
+  <p:cSld>
+    <p:spTree>
+      <p:nvGrpSpPr>
+        <p:cNvPr id="1" name=""/>
+        <p:cNvGrpSpPr/>
+        <p:nvPr/>
+      </p:nvGrpSpPr>
+      <p:grpSpPr>
+        <a:xfrm>
+          <a:off x="0" y="0"/>
+          <a:ext cx="0" cy="0"/>
+          <a:chOff x="0" y="0"/>
+          <a:chExt cx="0" cy="0"/>
+        </a:xfrm>
+      </p:grpSpPr>
+      <p:sp>
+        <p:nvSpPr>
+          <p:cNvPr id="2" name="Title 1"/>
+          <p:cNvSpPr>
+            <a:spLocks noGrp="1"/>
+          </p:cNvSpPr>
+          <p:nvPr>
+            <p:ph type="title"/>
+          </p:nvPr>
+        </p:nvSpPr>
+        <p:spPr>
+          <a:xfrm>
+            <a:off x="457200" y="274638"/>
+            <a:ext cx="8229600" cy="922114"/>
+          </a:xfrm>
+        </p:spPr>
+        <p:txBody>
+          <a:bodyPr/>
+          <a:lstStyle/>
+          <a:p>
+            <a:r>
+              <a:rPr lang="fr-BE" dirty="0" smtClean="0"/>
+              <a:t>People Manager - Architecture</a:t>
+            </a:r>
+            <a:endParaRPr lang="en-US" dirty="0"/>
+          </a:p>
+        </p:txBody>
+      </p:sp>
+      <p:sp>
+        <p:nvSpPr>
+          <p:cNvPr id="4" name="Rectangle 3"/>
+          <p:cNvSpPr/>
+          <p:nvPr/>
+        </p:nvSpPr>
+        <p:spPr>
+          <a:xfrm>
+            <a:off x="3275856" y="1412776"/>
+            <a:ext cx="1368152" cy="792088"/>
+          </a:xfrm>
+          <a:prstGeom prst="rect">
+            <a:avLst/>
+          </a:prstGeom>
+        </p:spPr>
+        <p:style>
+          <a:lnRef idx="2">
+            <a:schemeClr val="accent1">
+              <a:shade val="50000"/>
+            </a:schemeClr>
+          </a:lnRef>
+          <a:fillRef idx="1">
+            <a:schemeClr val="accent1"/>
+          </a:fillRef>
+          <a:effectRef idx="0">
+            <a:schemeClr val="accent1"/>
+          </a:effectRef>
+          <a:fontRef idx="minor">
+            <a:schemeClr val="lt1"/>
+          </a:fontRef>
+        </p:style>
+        <p:txBody>
+          <a:bodyPr rtlCol="0" anchor="ctr"/>
+          <a:lstStyle/>
+          <a:p>
+            <a:pPr algn="ctr"/>
+            <a:r>
+              <a:rPr lang="fr-BE" dirty="0" err="1" smtClean="0"/>
+              <a:t>App</a:t>
+            </a:r>
+            <a:endParaRPr lang="en-US" dirty="0"/>
+          </a:p>
+        </p:txBody>
+      </p:sp>
+      <p:sp>
+        <p:nvSpPr>
+          <p:cNvPr id="5" name="Oval 4"/>
+          <p:cNvSpPr/>
+          <p:nvPr/>
+        </p:nvSpPr>
+        <p:spPr>
+          <a:xfrm>
+            <a:off x="2843808" y="2564904"/>
+            <a:ext cx="2232248" cy="576064"/>
+          </a:xfrm>
+          <a:prstGeom prst="ellipse">
+            <a:avLst/>
+          </a:prstGeom>
+        </p:spPr>
+        <p:style>
+          <a:lnRef idx="2">
+            <a:schemeClr val="accent1">
+              <a:shade val="50000"/>
+            </a:schemeClr>
+          </a:lnRef>
+          <a:fillRef idx="1">
+            <a:schemeClr val="accent1"/>
+          </a:fillRef>
+          <a:effectRef idx="0">
+            <a:schemeClr val="accent1"/>
+          </a:effectRef>
+          <a:fontRef idx="minor">
+            <a:schemeClr val="lt1"/>
+          </a:fontRef>
+        </p:style>
+        <p:txBody>
+          <a:bodyPr rtlCol="0" anchor="ctr"/>
+          <a:lstStyle/>
+          <a:p>
+            <a:pPr algn="ctr"/>
+            <a:r>
+              <a:rPr lang="fr-BE" dirty="0" err="1" smtClean="0"/>
+              <a:t>App</a:t>
+            </a:r>
+            <a:r>
+              <a:rPr lang="fr-BE" dirty="0" smtClean="0"/>
+              <a:t>-</a:t>
+            </a:r>
+            <a:r>
+              <a:rPr lang="fr-BE" dirty="0" err="1" smtClean="0"/>
+              <a:t>Routing</a:t>
+            </a:r>
+            <a:endParaRPr lang="en-US" dirty="0"/>
+          </a:p>
+        </p:txBody>
+      </p:sp>
+      <p:sp>
+        <p:nvSpPr>
+          <p:cNvPr id="6" name="Rectangle 5"/>
+          <p:cNvSpPr/>
+          <p:nvPr/>
+        </p:nvSpPr>
+        <p:spPr>
+          <a:xfrm>
+            <a:off x="3275856" y="3573016"/>
+            <a:ext cx="1368152" cy="792088"/>
+          </a:xfrm>
+          <a:prstGeom prst="rect">
+            <a:avLst/>
+          </a:prstGeom>
+        </p:spPr>
+        <p:style>
+          <a:lnRef idx="2">
+            <a:schemeClr val="accent1">
+              <a:shade val="50000"/>
+            </a:schemeClr>
+          </a:lnRef>
+          <a:fillRef idx="1">
+            <a:schemeClr val="accent1"/>
+          </a:fillRef>
+          <a:effectRef idx="0">
+            <a:schemeClr val="accent1"/>
+          </a:effectRef>
+          <a:fontRef idx="minor">
+            <a:schemeClr val="lt1"/>
+          </a:fontRef>
+        </p:style>
+        <p:txBody>
+          <a:bodyPr rtlCol="0" anchor="ctr"/>
+          <a:lstStyle/>
+          <a:p>
+            <a:pPr algn="ctr"/>
+            <a:r>
+              <a:rPr lang="fr-BE" dirty="0" smtClean="0"/>
+              <a:t>People Page</a:t>
+            </a:r>
+            <a:endParaRPr lang="en-US" dirty="0"/>
+          </a:p>
+        </p:txBody>
+      </p:sp>
+      <p:sp>
+        <p:nvSpPr>
+          <p:cNvPr id="7" name="Rectangle 6"/>
+          <p:cNvSpPr/>
+          <p:nvPr/>
+        </p:nvSpPr>
+        <p:spPr>
+          <a:xfrm>
+            <a:off x="3275856" y="5013176"/>
+            <a:ext cx="1368152" cy="792088"/>
+          </a:xfrm>
+          <a:prstGeom prst="rect">
+            <a:avLst/>
+          </a:prstGeom>
+        </p:spPr>
+        <p:style>
+          <a:lnRef idx="2">
+            <a:schemeClr val="accent1">
+              <a:shade val="50000"/>
+            </a:schemeClr>
+          </a:lnRef>
+          <a:fillRef idx="1">
+            <a:schemeClr val="accent1"/>
+          </a:fillRef>
+          <a:effectRef idx="0">
+            <a:schemeClr val="accent1"/>
+          </a:effectRef>
+          <a:fontRef idx="minor">
+            <a:schemeClr val="lt1"/>
+          </a:fontRef>
+        </p:style>
+        <p:txBody>
+          <a:bodyPr rtlCol="0" anchor="ctr"/>
+          <a:lstStyle/>
+          <a:p>
+            <a:pPr algn="ctr"/>
+            <a:r>
+              <a:rPr lang="fr-BE" dirty="0" smtClean="0"/>
+              <a:t>People-List Page</a:t>
+            </a:r>
+            <a:endParaRPr lang="en-US" dirty="0"/>
+          </a:p>
+        </p:txBody>
+      </p:sp>
+      <p:sp>
+        <p:nvSpPr>
+          <p:cNvPr id="8" name="Rounded Rectangle 7"/>
+          <p:cNvSpPr/>
+          <p:nvPr/>
+        </p:nvSpPr>
+        <p:spPr>
+          <a:xfrm>
+            <a:off x="5220072" y="4365104"/>
+            <a:ext cx="1800200" cy="648072"/>
+          </a:xfrm>
+          <a:prstGeom prst="roundRect">
+            <a:avLst/>
+          </a:prstGeom>
+        </p:spPr>
+        <p:style>
+          <a:lnRef idx="2">
+            <a:schemeClr val="accent1">
+              <a:shade val="50000"/>
+            </a:schemeClr>
+          </a:lnRef>
+          <a:fillRef idx="1">
+            <a:schemeClr val="accent1"/>
+          </a:fillRef>
+          <a:effectRef idx="0">
+            <a:schemeClr val="accent1"/>
+          </a:effectRef>
+          <a:fontRef idx="minor">
+            <a:schemeClr val="lt1"/>
+          </a:fontRef>
+        </p:style>
+        <p:txBody>
+          <a:bodyPr rtlCol="0" anchor="ctr"/>
+          <a:lstStyle/>
+          <a:p>
+            <a:pPr algn="ctr"/>
+            <a:r>
+              <a:rPr lang="fr-BE" dirty="0" smtClean="0"/>
+              <a:t>People Manager Service</a:t>
+            </a:r>
+            <a:endParaRPr lang="en-US" dirty="0"/>
+          </a:p>
+        </p:txBody>
+      </p:sp>
+      <p:sp>
+        <p:nvSpPr>
+          <p:cNvPr id="10" name="TextBox 9"/>
+          <p:cNvSpPr txBox="1"/>
+          <p:nvPr/>
+        </p:nvSpPr>
+        <p:spPr>
+          <a:xfrm>
+            <a:off x="5292080" y="1340768"/>
+            <a:ext cx="3312368" cy="923330"/>
+          </a:xfrm>
+          <a:prstGeom prst="rect">
+            <a:avLst/>
+          </a:prstGeom>
+          <a:noFill/>
+        </p:spPr>
+        <p:txBody>
+          <a:bodyPr wrap="square" rtlCol="0">
+            <a:spAutoFit/>
+          </a:bodyPr>
+          <a:lstStyle/>
+          <a:p>
+            <a:r>
+              <a:rPr lang="fr-BE" dirty="0" err="1" smtClean="0"/>
+              <a:t>app.module</a:t>
+            </a:r>
+            <a:r>
+              <a:rPr lang="fr-BE" dirty="0" smtClean="0"/>
+              <a:t>, </a:t>
+            </a:r>
+            <a:r>
+              <a:rPr lang="fr-BE" dirty="0" err="1" smtClean="0"/>
+              <a:t>app.component</a:t>
+            </a:r>
+            <a:endParaRPr lang="fr-BE" dirty="0" smtClean="0"/>
+          </a:p>
+          <a:p>
+            <a:r>
+              <a:rPr lang="fr-BE" dirty="0" smtClean="0"/>
+              <a:t>&lt;ion-</a:t>
+            </a:r>
+            <a:r>
+              <a:rPr lang="fr-BE" dirty="0" err="1" smtClean="0"/>
+              <a:t>app</a:t>
+            </a:r>
+            <a:r>
+              <a:rPr lang="fr-BE" dirty="0" smtClean="0"/>
+              <a:t>&gt;&lt;/ion-</a:t>
+            </a:r>
+            <a:r>
+              <a:rPr lang="fr-BE" dirty="0" err="1" smtClean="0"/>
+              <a:t>app</a:t>
+            </a:r>
+            <a:r>
+              <a:rPr lang="fr-BE" dirty="0" smtClean="0"/>
+              <a:t>&gt;</a:t>
+            </a:r>
+          </a:p>
+          <a:p>
+            <a:r>
+              <a:rPr lang="fr-BE" dirty="0" err="1" smtClean="0"/>
+              <a:t>app-routing.module</a:t>
+            </a:r>
+            <a:endParaRPr lang="en-US" dirty="0"/>
+          </a:p>
+        </p:txBody>
+      </p:sp>
+      <p:sp>
+        <p:nvSpPr>
+          <p:cNvPr id="11" name="Left Brace 10"/>
+          <p:cNvSpPr/>
+          <p:nvPr/>
+        </p:nvSpPr>
+        <p:spPr>
+          <a:xfrm>
+            <a:off x="5148064" y="1268760"/>
+            <a:ext cx="216024" cy="1080120"/>
+          </a:xfrm>
+          <a:prstGeom prst="leftBrace">
+            <a:avLst/>
+          </a:prstGeom>
+        </p:spPr>
+        <p:style>
+          <a:lnRef idx="1">
+            <a:schemeClr val="accent1"/>
+          </a:lnRef>
+          <a:fillRef idx="0">
+            <a:schemeClr val="accent1"/>
+          </a:fillRef>
+          <a:effectRef idx="0">
+            <a:schemeClr val="accent1"/>
+          </a:effectRef>
+          <a:fontRef idx="minor">
+            <a:schemeClr val="tx1"/>
+          </a:fontRef>
+        </p:style>
+        <p:txBody>
+          <a:bodyPr rtlCol="0" anchor="ctr"/>
+          <a:lstStyle/>
+          <a:p>
+            <a:pPr algn="ctr"/>
+            <a:endParaRPr lang="en-US"/>
+          </a:p>
+        </p:txBody>
+      </p:sp>
+      <p:sp>
+        <p:nvSpPr>
+          <p:cNvPr id="12" name="TextBox 11"/>
+          <p:cNvSpPr txBox="1"/>
+          <p:nvPr/>
+        </p:nvSpPr>
+        <p:spPr>
+          <a:xfrm>
+            <a:off x="611560" y="3501008"/>
+            <a:ext cx="2376264" cy="1200329"/>
+          </a:xfrm>
+          <a:prstGeom prst="rect">
+            <a:avLst/>
+          </a:prstGeom>
+          <a:noFill/>
+        </p:spPr>
+        <p:txBody>
+          <a:bodyPr wrap="square" rtlCol="0">
+            <a:spAutoFit/>
+          </a:bodyPr>
+          <a:lstStyle/>
+          <a:p>
+            <a:r>
+              <a:rPr lang="fr-BE" dirty="0" err="1" smtClean="0"/>
+              <a:t>people.module</a:t>
+            </a:r>
+            <a:endParaRPr lang="fr-BE" dirty="0" smtClean="0"/>
+          </a:p>
+          <a:p>
+            <a:r>
+              <a:rPr lang="fr-BE" dirty="0" err="1" smtClean="0"/>
+              <a:t>people.page</a:t>
+            </a:r>
+            <a:endParaRPr lang="fr-BE" dirty="0" smtClean="0"/>
+          </a:p>
+          <a:p>
+            <a:r>
+              <a:rPr lang="fr-BE" dirty="0" err="1" smtClean="0"/>
+              <a:t>PeopleManagerService</a:t>
+            </a:r>
+            <a:endParaRPr lang="fr-BE" dirty="0" smtClean="0"/>
+          </a:p>
+          <a:p>
+            <a:r>
+              <a:rPr lang="fr-BE" dirty="0" smtClean="0"/>
+              <a:t>HTML-&gt; input</a:t>
+            </a:r>
+          </a:p>
+        </p:txBody>
+      </p:sp>
+      <p:sp>
+        <p:nvSpPr>
+          <p:cNvPr id="14" name="TextBox 13"/>
+          <p:cNvSpPr txBox="1"/>
+          <p:nvPr/>
+        </p:nvSpPr>
+        <p:spPr>
+          <a:xfrm>
+            <a:off x="611560" y="4941168"/>
+            <a:ext cx="2376264" cy="923330"/>
+          </a:xfrm>
+          <a:prstGeom prst="rect">
+            <a:avLst/>
+          </a:prstGeom>
+          <a:noFill/>
+        </p:spPr>
+        <p:txBody>
+          <a:bodyPr wrap="square" rtlCol="0">
+            <a:spAutoFit/>
+          </a:bodyPr>
+          <a:lstStyle/>
+          <a:p>
+            <a:r>
+              <a:rPr lang="fr-BE" dirty="0" err="1" smtClean="0"/>
+              <a:t>People-list.module</a:t>
+            </a:r>
+            <a:endParaRPr lang="fr-BE" dirty="0" smtClean="0"/>
+          </a:p>
+          <a:p>
+            <a:r>
+              <a:rPr lang="fr-BE" dirty="0" err="1" smtClean="0"/>
+              <a:t>People-list.page</a:t>
+            </a:r>
+            <a:endParaRPr lang="fr-BE" dirty="0" smtClean="0"/>
+          </a:p>
+          <a:p>
+            <a:r>
+              <a:rPr lang="fr-BE" dirty="0" smtClean="0"/>
+              <a:t>HTML -&gt; </a:t>
+            </a:r>
+            <a:r>
+              <a:rPr lang="fr-BE" dirty="0" err="1" smtClean="0"/>
+              <a:t>list</a:t>
+            </a:r>
+            <a:endParaRPr lang="fr-BE" dirty="0" smtClean="0"/>
+          </a:p>
+        </p:txBody>
+      </p:sp>
+      <p:sp>
+        <p:nvSpPr>
+          <p:cNvPr id="13" name="Right Brace 12"/>
+          <p:cNvSpPr/>
+          <p:nvPr/>
+        </p:nvSpPr>
+        <p:spPr>
+          <a:xfrm>
+            <a:off x="2843808" y="3573016"/>
+            <a:ext cx="216024" cy="1080120"/>
+          </a:xfrm>
+          <a:prstGeom prst="rightBrace">
+            <a:avLst/>
+          </a:prstGeom>
+        </p:spPr>
+        <p:style>
+          <a:lnRef idx="1">
+            <a:schemeClr val="accent1"/>
+          </a:lnRef>
+          <a:fillRef idx="0">
+            <a:schemeClr val="accent1"/>
+          </a:fillRef>
+          <a:effectRef idx="0">
+            <a:schemeClr val="accent1"/>
+          </a:effectRef>
+          <a:fontRef idx="minor">
+            <a:schemeClr val="tx1"/>
+          </a:fontRef>
+        </p:style>
+        <p:txBody>
+          <a:bodyPr rtlCol="0" anchor="ctr"/>
+          <a:lstStyle/>
+          <a:p>
+            <a:pPr algn="ctr"/>
+            <a:endParaRPr lang="en-US"/>
+          </a:p>
+        </p:txBody>
+      </p:sp>
+      <p:sp>
+        <p:nvSpPr>
+          <p:cNvPr id="15" name="Right Brace 14"/>
+          <p:cNvSpPr/>
+          <p:nvPr/>
+        </p:nvSpPr>
+        <p:spPr>
+          <a:xfrm>
+            <a:off x="2843808" y="4869160"/>
+            <a:ext cx="216024" cy="1080120"/>
+          </a:xfrm>
+          <a:prstGeom prst="rightBrace">
+            <a:avLst/>
+          </a:prstGeom>
+        </p:spPr>
+        <p:style>
+          <a:lnRef idx="1">
+            <a:schemeClr val="accent1"/>
+          </a:lnRef>
+          <a:fillRef idx="0">
+            <a:schemeClr val="accent1"/>
+          </a:fillRef>
+          <a:effectRef idx="0">
+            <a:schemeClr val="accent1"/>
+          </a:effectRef>
+          <a:fontRef idx="minor">
+            <a:schemeClr val="tx1"/>
+          </a:fontRef>
+        </p:style>
+        <p:txBody>
+          <a:bodyPr rtlCol="0" anchor="ctr"/>
+          <a:lstStyle/>
+          <a:p>
+            <a:pPr algn="ctr"/>
+            <a:endParaRPr lang="en-US"/>
+          </a:p>
+        </p:txBody>
+      </p:sp>
+      <p:sp>
+        <p:nvSpPr>
+          <p:cNvPr id="16" name="TextBox 15"/>
+          <p:cNvSpPr txBox="1"/>
+          <p:nvPr/>
+        </p:nvSpPr>
+        <p:spPr>
+          <a:xfrm>
+            <a:off x="7236296" y="4365104"/>
+            <a:ext cx="1584176" cy="646331"/>
+          </a:xfrm>
+          <a:prstGeom prst="rect">
+            <a:avLst/>
+          </a:prstGeom>
+          <a:noFill/>
+        </p:spPr>
+        <p:txBody>
+          <a:bodyPr wrap="square" rtlCol="0">
+            <a:spAutoFit/>
+          </a:bodyPr>
+          <a:lstStyle/>
+          <a:p>
+            <a:r>
+              <a:rPr lang="fr-BE" dirty="0" err="1" smtClean="0"/>
+              <a:t>getAllPeople</a:t>
+            </a:r>
+            <a:r>
+              <a:rPr lang="fr-BE" dirty="0" smtClean="0"/>
+              <a:t>()</a:t>
+            </a:r>
+          </a:p>
+          <a:p>
+            <a:r>
+              <a:rPr lang="fr-BE" dirty="0" err="1" smtClean="0"/>
+              <a:t>addPeople</a:t>
+            </a:r>
+            <a:r>
+              <a:rPr lang="fr-BE" dirty="0" smtClean="0"/>
+              <a:t>()</a:t>
+            </a:r>
+          </a:p>
+        </p:txBody>
+      </p:sp>
+      <p:sp>
+        <p:nvSpPr>
+          <p:cNvPr id="17" name="Left Brace 16"/>
+          <p:cNvSpPr/>
+          <p:nvPr/>
+        </p:nvSpPr>
+        <p:spPr>
+          <a:xfrm>
+            <a:off x="7092280" y="4221088"/>
+            <a:ext cx="216024" cy="936104"/>
+          </a:xfrm>
+          <a:prstGeom prst="leftBrace">
+            <a:avLst/>
+          </a:prstGeom>
+        </p:spPr>
+        <p:style>
+          <a:lnRef idx="1">
+            <a:schemeClr val="accent1"/>
+          </a:lnRef>
+          <a:fillRef idx="0">
+            <a:schemeClr val="accent1"/>
+          </a:fillRef>
+          <a:effectRef idx="0">
+            <a:schemeClr val="accent1"/>
+          </a:effectRef>
+          <a:fontRef idx="minor">
+            <a:schemeClr val="tx1"/>
+          </a:fontRef>
+        </p:style>
+        <p:txBody>
+          <a:bodyPr rtlCol="0" anchor="ctr"/>
+          <a:lstStyle/>
+          <a:p>
+            <a:pPr algn="ctr"/>
+            <a:endParaRPr lang="en-US"/>
+          </a:p>
+        </p:txBody>
+      </p:sp>
+      <p:cxnSp>
+        <p:nvCxnSpPr>
+          <p:cNvPr id="23" name="Shape 22"/>
+          <p:cNvCxnSpPr>
+            <a:stCxn id="6" idx="3"/>
+            <a:endCxn id="8" idx="0"/>
+          </p:cNvCxnSpPr>
+          <p:nvPr/>
+        </p:nvCxnSpPr>
+        <p:spPr>
+          <a:xfrm>
+            <a:off x="4644008" y="3969060"/>
+            <a:ext cx="1476164" cy="396044"/>
+          </a:xfrm>
+          <a:prstGeom prst="bentConnector2">
+            <a:avLst/>
+          </a:prstGeom>
+          <a:ln w="38100">
+            <a:headEnd type="arrow"/>
+            <a:tailEnd type="arrow"/>
+          </a:ln>
+        </p:spPr>
+        <p:style>
+          <a:lnRef idx="1">
+            <a:schemeClr val="accent1"/>
+          </a:lnRef>
+          <a:fillRef idx="0">
+            <a:schemeClr val="accent1"/>
+          </a:fillRef>
+          <a:effectRef idx="0">
+            <a:schemeClr val="accent1"/>
+          </a:effectRef>
+          <a:fontRef idx="minor">
+            <a:schemeClr val="tx1"/>
+          </a:fontRef>
+        </p:style>
+      </p:cxnSp>
+      <p:cxnSp>
+        <p:nvCxnSpPr>
+          <p:cNvPr id="24" name="Shape 23"/>
+          <p:cNvCxnSpPr>
+            <a:stCxn id="8" idx="2"/>
+            <a:endCxn id="7" idx="3"/>
+          </p:cNvCxnSpPr>
+          <p:nvPr/>
+        </p:nvCxnSpPr>
+        <p:spPr>
+          <a:xfrm rot="5400000">
+            <a:off x="5184068" y="4473116"/>
+            <a:ext cx="396044" cy="1476164"/>
+          </a:xfrm>
+          <a:prstGeom prst="bentConnector2">
+            <a:avLst/>
+          </a:prstGeom>
+          <a:ln w="38100">
+            <a:headEnd type="arrow"/>
+            <a:tailEnd type="arrow"/>
+          </a:ln>
+        </p:spPr>
+        <p:style>
+          <a:lnRef idx="1">
+            <a:schemeClr val="accent1"/>
+          </a:lnRef>
+          <a:fillRef idx="0">
+            <a:schemeClr val="accent1"/>
+          </a:fillRef>
+          <a:effectRef idx="0">
+            <a:schemeClr val="accent1"/>
+          </a:effectRef>
+          <a:fontRef idx="minor">
+            <a:schemeClr val="tx1"/>
+          </a:fontRef>
+        </p:style>
+      </p:cxnSp>
+      <p:cxnSp>
+        <p:nvCxnSpPr>
+          <p:cNvPr id="28" name="Straight Arrow Connector 27"/>
+          <p:cNvCxnSpPr>
+            <a:stCxn id="4" idx="2"/>
+            <a:endCxn id="5" idx="0"/>
+          </p:cNvCxnSpPr>
+          <p:nvPr/>
+        </p:nvCxnSpPr>
+        <p:spPr>
+          <a:xfrm>
+            <a:off x="3959932" y="2204864"/>
+            <a:ext cx="0" cy="360040"/>
+          </a:xfrm>
+          <a:prstGeom prst="straightConnector1">
+            <a:avLst/>
+          </a:prstGeom>
+          <a:ln w="38100">
+            <a:tailEnd type="arrow"/>
+          </a:ln>
+        </p:spPr>
+        <p:style>
+          <a:lnRef idx="1">
+            <a:schemeClr val="accent1"/>
+          </a:lnRef>
+          <a:fillRef idx="0">
+            <a:schemeClr val="accent1"/>
+          </a:fillRef>
+          <a:effectRef idx="0">
+            <a:schemeClr val="accent1"/>
+          </a:effectRef>
+          <a:fontRef idx="minor">
+            <a:schemeClr val="tx1"/>
+          </a:fontRef>
+        </p:style>
+      </p:cxnSp>
+      <p:cxnSp>
+        <p:nvCxnSpPr>
+          <p:cNvPr id="29" name="Straight Arrow Connector 28"/>
+          <p:cNvCxnSpPr>
+            <a:stCxn id="5" idx="4"/>
+            <a:endCxn id="6" idx="0"/>
+          </p:cNvCxnSpPr>
+          <p:nvPr/>
+        </p:nvCxnSpPr>
+        <p:spPr>
+          <a:xfrm>
+            <a:off x="3959932" y="3140968"/>
+            <a:ext cx="0" cy="432048"/>
+          </a:xfrm>
+          <a:prstGeom prst="straightConnector1">
+            <a:avLst/>
+          </a:prstGeom>
+          <a:ln w="38100">
+            <a:tailEnd type="arrow"/>
+          </a:ln>
+        </p:spPr>
+        <p:style>
+          <a:lnRef idx="1">
+            <a:schemeClr val="accent1"/>
+          </a:lnRef>
+          <a:fillRef idx="0">
+            <a:schemeClr val="accent1"/>
+          </a:fillRef>
+          <a:effectRef idx="0">
+            <a:schemeClr val="accent1"/>
+          </a:effectRef>
+          <a:fontRef idx="minor">
+            <a:schemeClr val="tx1"/>
+          </a:fontRef>
+        </p:style>
+      </p:cxnSp>
+      <p:sp>
+        <p:nvSpPr>
+          <p:cNvPr id="20" name="Date Placeholder 19"/>
+          <p:cNvSpPr>
+            <a:spLocks noGrp="1"/>
+          </p:cNvSpPr>
+          <p:nvPr>
+            <p:ph type="dt" sz="half" idx="10"/>
+          </p:nvPr>
+        </p:nvSpPr>
+        <p:spPr/>
+        <p:txBody>
+          <a:bodyPr/>
+          <a:lstStyle/>
+          <a:p>
+            <a:r>
+              <a:rPr lang="en-US" smtClean="0"/>
+              <a:t>30/082019</a:t>
+            </a:r>
+            <a:endParaRPr lang="en-US"/>
+          </a:p>
+        </p:txBody>
+      </p:sp>
+      <p:sp>
+        <p:nvSpPr>
+          <p:cNvPr id="21" name="Slide Number Placeholder 20"/>
+          <p:cNvSpPr>
+            <a:spLocks noGrp="1"/>
+          </p:cNvSpPr>
+          <p:nvPr>
+            <p:ph type="sldNum" sz="quarter" idx="12"/>
+          </p:nvPr>
+        </p:nvSpPr>
+        <p:spPr/>
+        <p:txBody>
+          <a:bodyPr/>
+          <a:lstStyle/>
+          <a:p>
+            <a:fld id="{DD20A2E5-6066-42A7-9FA8-39AC0F133469}" type="slidenum">
+              <a:rPr lang="en-US" smtClean="0"/>
+              <a:pPr/>
+              <a:t>4</a:t>
+            </a:fld>
+            <a:endParaRPr lang="en-US"/>
+          </a:p>
+        </p:txBody>
+      </p:sp>
+      <p:sp>
+        <p:nvSpPr>
+          <p:cNvPr id="22" name="Footer Placeholder 21"/>
+          <p:cNvSpPr>
+            <a:spLocks noGrp="1"/>
+          </p:cNvSpPr>
+          <p:nvPr>
+            <p:ph type="ftr" sz="quarter" idx="11"/>
+          </p:nvPr>
+        </p:nvSpPr>
+        <p:spPr/>
+        <p:txBody>
+          <a:bodyPr/>
+          <a:lstStyle/>
+          <a:p>
+            <a:r>
+              <a:rPr lang="en-US" smtClean="0"/>
+              <a:t>Ismail Joseph @Clariba</a:t>
+            </a:r>
+            <a:endParaRPr lang="en-US"/>
+          </a:p>
+        </p:txBody>
+      </p:sp>
+    </p:spTree>
+  </p:cSld>
+  <p:clrMapOvr>
+    <a:masterClrMapping/>
+  </p:clrMapOvr>
+</p:sld>
+</file>
+
+<file path=ppt/slides/slide5.xml><?xml version="1.0" encoding="utf-8"?>
+<p:sld xmlns:a="http://schemas.openxmlformats.org/drawingml/2006/main" xmlns:r="http://schemas.openxmlformats.org/officeDocument/2006/relationships" xmlns:p="http://schemas.openxmlformats.org/presentationml/2006/main">
+  <p:cSld>
+    <p:spTree>
+      <p:nvGrpSpPr>
+        <p:cNvPr id="1" name=""/>
+        <p:cNvGrpSpPr/>
+        <p:nvPr/>
+      </p:nvGrpSpPr>
+      <p:grpSpPr>
+        <a:xfrm>
+          <a:off x="0" y="0"/>
+          <a:ext cx="0" cy="0"/>
+          <a:chOff x="0" y="0"/>
+          <a:chExt cx="0" cy="0"/>
+        </a:xfrm>
+      </p:grpSpPr>
+      <p:sp>
+        <p:nvSpPr>
+          <p:cNvPr id="2" name="Title 1"/>
+          <p:cNvSpPr>
+            <a:spLocks noGrp="1"/>
+          </p:cNvSpPr>
+          <p:nvPr>
+            <p:ph type="title"/>
+          </p:nvPr>
+        </p:nvSpPr>
+        <p:spPr>
+          <a:xfrm>
+            <a:off x="457200" y="274638"/>
+            <a:ext cx="8229600" cy="922114"/>
+          </a:xfrm>
+        </p:spPr>
+        <p:txBody>
+          <a:bodyPr/>
+          <a:lstStyle/>
+          <a:p>
+            <a:r>
+              <a:rPr lang="fr-BE" dirty="0" smtClean="0"/>
+              <a:t>People Manager - Flow</a:t>
+            </a:r>
+            <a:endParaRPr lang="en-US" dirty="0"/>
+          </a:p>
+        </p:txBody>
+      </p:sp>
+      <p:sp>
+        <p:nvSpPr>
+          <p:cNvPr id="22" name="Rectangle 21"/>
+          <p:cNvSpPr/>
+          <p:nvPr/>
+        </p:nvSpPr>
+        <p:spPr>
+          <a:xfrm>
+            <a:off x="3779912" y="1124744"/>
+            <a:ext cx="1368152" cy="792088"/>
+          </a:xfrm>
+          <a:prstGeom prst="rect">
+            <a:avLst/>
+          </a:prstGeom>
+        </p:spPr>
+        <p:style>
+          <a:lnRef idx="2">
+            <a:schemeClr val="accent1">
+              <a:shade val="50000"/>
+            </a:schemeClr>
+          </a:lnRef>
+          <a:fillRef idx="1">
+            <a:schemeClr val="accent1"/>
+          </a:fillRef>
+          <a:effectRef idx="0">
+            <a:schemeClr val="accent1"/>
+          </a:effectRef>
+          <a:fontRef idx="minor">
+            <a:schemeClr val="lt1"/>
+          </a:fontRef>
+        </p:style>
+        <p:txBody>
+          <a:bodyPr rtlCol="0" anchor="ctr"/>
+          <a:lstStyle/>
+          <a:p>
+            <a:pPr algn="ctr"/>
+            <a:r>
+              <a:rPr lang="fr-BE" dirty="0" err="1" smtClean="0"/>
+              <a:t>App</a:t>
+            </a:r>
+            <a:endParaRPr lang="en-US" dirty="0"/>
+          </a:p>
+        </p:txBody>
+      </p:sp>
+      <p:sp>
+        <p:nvSpPr>
+          <p:cNvPr id="23" name="Oval 22"/>
+          <p:cNvSpPr/>
+          <p:nvPr/>
+        </p:nvSpPr>
+        <p:spPr>
+          <a:xfrm>
+            <a:off x="3347864" y="2276872"/>
+            <a:ext cx="2232248" cy="576064"/>
+          </a:xfrm>
+          <a:prstGeom prst="ellipse">
+            <a:avLst/>
+          </a:prstGeom>
+        </p:spPr>
+        <p:style>
+          <a:lnRef idx="2">
+            <a:schemeClr val="accent1">
+              <a:shade val="50000"/>
+            </a:schemeClr>
+          </a:lnRef>
+          <a:fillRef idx="1">
+            <a:schemeClr val="accent1"/>
+          </a:fillRef>
+          <a:effectRef idx="0">
+            <a:schemeClr val="accent1"/>
+          </a:effectRef>
+          <a:fontRef idx="minor">
+            <a:schemeClr val="lt1"/>
+          </a:fontRef>
+        </p:style>
+        <p:txBody>
+          <a:bodyPr rtlCol="0" anchor="ctr"/>
+          <a:lstStyle/>
+          <a:p>
+            <a:pPr algn="ctr"/>
+            <a:r>
+              <a:rPr lang="fr-BE" dirty="0" err="1" smtClean="0"/>
+              <a:t>App</a:t>
+            </a:r>
+            <a:r>
+              <a:rPr lang="fr-BE" dirty="0" smtClean="0"/>
+              <a:t>-</a:t>
+            </a:r>
+            <a:r>
+              <a:rPr lang="fr-BE" dirty="0" err="1" smtClean="0"/>
+              <a:t>Routing</a:t>
+            </a:r>
+            <a:endParaRPr lang="en-US" dirty="0"/>
+          </a:p>
+        </p:txBody>
+      </p:sp>
+      <p:cxnSp>
+        <p:nvCxnSpPr>
+          <p:cNvPr id="24" name="Straight Arrow Connector 23"/>
+          <p:cNvCxnSpPr>
+            <a:stCxn id="22" idx="2"/>
+            <a:endCxn id="23" idx="0"/>
+          </p:cNvCxnSpPr>
+          <p:nvPr/>
+        </p:nvCxnSpPr>
+        <p:spPr>
+          <a:xfrm>
+            <a:off x="4463988" y="1916832"/>
+            <a:ext cx="0" cy="360040"/>
+          </a:xfrm>
+          <a:prstGeom prst="straightConnector1">
+            <a:avLst/>
+          </a:prstGeom>
+          <a:ln w="38100">
+            <a:tailEnd type="arrow"/>
+          </a:ln>
+        </p:spPr>
+        <p:style>
+          <a:lnRef idx="1">
+            <a:schemeClr val="accent1"/>
+          </a:lnRef>
+          <a:fillRef idx="0">
+            <a:schemeClr val="accent1"/>
+          </a:fillRef>
+          <a:effectRef idx="0">
+            <a:schemeClr val="accent1"/>
+          </a:effectRef>
+          <a:fontRef idx="minor">
+            <a:schemeClr val="tx1"/>
+          </a:fontRef>
+        </p:style>
+      </p:cxnSp>
+      <p:cxnSp>
+        <p:nvCxnSpPr>
+          <p:cNvPr id="26" name="Shape 25"/>
+          <p:cNvCxnSpPr>
+            <a:stCxn id="23" idx="2"/>
+            <a:endCxn id="70" idx="0"/>
+          </p:cNvCxnSpPr>
+          <p:nvPr/>
+        </p:nvCxnSpPr>
+        <p:spPr>
+          <a:xfrm rot="10800000" flipV="1">
+            <a:off x="1331640" y="2564904"/>
+            <a:ext cx="2016224" cy="1152128"/>
+          </a:xfrm>
+          <a:prstGeom prst="bentConnector2">
+            <a:avLst/>
+          </a:prstGeom>
+          <a:ln w="38100">
+            <a:tailEnd type="arrow"/>
+          </a:ln>
+        </p:spPr>
+        <p:style>
+          <a:lnRef idx="1">
+            <a:schemeClr val="accent1"/>
+          </a:lnRef>
+          <a:fillRef idx="0">
+            <a:schemeClr val="accent1"/>
+          </a:fillRef>
+          <a:effectRef idx="0">
+            <a:schemeClr val="accent1"/>
+          </a:effectRef>
+          <a:fontRef idx="minor">
+            <a:schemeClr val="tx1"/>
+          </a:fontRef>
+        </p:style>
+      </p:cxnSp>
+      <p:cxnSp>
+        <p:nvCxnSpPr>
+          <p:cNvPr id="27" name="Shape 26"/>
+          <p:cNvCxnSpPr>
+            <a:stCxn id="23" idx="6"/>
+            <a:endCxn id="72" idx="0"/>
+          </p:cNvCxnSpPr>
+          <p:nvPr/>
+        </p:nvCxnSpPr>
+        <p:spPr>
+          <a:xfrm>
+            <a:off x="5580112" y="2564904"/>
+            <a:ext cx="2358008" cy="1152128"/>
+          </a:xfrm>
+          <a:prstGeom prst="bentConnector2">
+            <a:avLst/>
+          </a:prstGeom>
+          <a:ln w="38100">
+            <a:tailEnd type="arrow"/>
+          </a:ln>
+        </p:spPr>
+        <p:style>
+          <a:lnRef idx="1">
+            <a:schemeClr val="accent1"/>
+          </a:lnRef>
+          <a:fillRef idx="0">
+            <a:schemeClr val="accent1"/>
+          </a:fillRef>
+          <a:effectRef idx="0">
+            <a:schemeClr val="accent1"/>
+          </a:effectRef>
+          <a:fontRef idx="minor">
+            <a:schemeClr val="tx1"/>
+          </a:fontRef>
+        </p:style>
+      </p:cxnSp>
+      <p:sp>
+        <p:nvSpPr>
+          <p:cNvPr id="30" name="Rounded Rectangle 29"/>
+          <p:cNvSpPr/>
+          <p:nvPr/>
+        </p:nvSpPr>
+        <p:spPr>
+          <a:xfrm>
+            <a:off x="3707904" y="5229200"/>
+            <a:ext cx="1800200" cy="648072"/>
+          </a:xfrm>
+          <a:prstGeom prst="roundRect">
+            <a:avLst/>
+          </a:prstGeom>
+        </p:spPr>
+        <p:style>
+          <a:lnRef idx="2">
+            <a:schemeClr val="accent1">
+              <a:shade val="50000"/>
+            </a:schemeClr>
+          </a:lnRef>
+          <a:fillRef idx="1">
+            <a:schemeClr val="accent1"/>
+          </a:fillRef>
+          <a:effectRef idx="0">
+            <a:schemeClr val="accent1"/>
+          </a:effectRef>
+          <a:fontRef idx="minor">
+            <a:schemeClr val="lt1"/>
+          </a:fontRef>
+        </p:style>
+        <p:txBody>
+          <a:bodyPr rtlCol="0" anchor="ctr"/>
+          <a:lstStyle/>
+          <a:p>
+            <a:pPr algn="ctr"/>
+            <a:r>
+              <a:rPr lang="fr-BE" dirty="0" smtClean="0"/>
+              <a:t>People Manager Service</a:t>
+            </a:r>
+            <a:endParaRPr lang="en-US" dirty="0"/>
+          </a:p>
+        </p:txBody>
+      </p:sp>
+      <p:cxnSp>
+        <p:nvCxnSpPr>
+          <p:cNvPr id="31" name="Shape 30"/>
+          <p:cNvCxnSpPr>
+            <a:stCxn id="70" idx="2"/>
+            <a:endCxn id="30" idx="1"/>
+          </p:cNvCxnSpPr>
+          <p:nvPr/>
+        </p:nvCxnSpPr>
+        <p:spPr>
+          <a:xfrm rot="16200000" flipH="1">
+            <a:off x="1961710" y="3807042"/>
+            <a:ext cx="1116124" cy="2376264"/>
+          </a:xfrm>
+          <a:prstGeom prst="bentConnector2">
+            <a:avLst/>
+          </a:prstGeom>
+          <a:ln w="38100">
+            <a:headEnd type="arrow"/>
+            <a:tailEnd type="arrow"/>
+          </a:ln>
+        </p:spPr>
+        <p:style>
+          <a:lnRef idx="1">
+            <a:schemeClr val="accent1"/>
+          </a:lnRef>
+          <a:fillRef idx="0">
+            <a:schemeClr val="accent1"/>
+          </a:fillRef>
+          <a:effectRef idx="0">
+            <a:schemeClr val="accent1"/>
+          </a:effectRef>
+          <a:fontRef idx="minor">
+            <a:schemeClr val="tx1"/>
+          </a:fontRef>
+        </p:style>
+      </p:cxnSp>
+      <p:cxnSp>
+        <p:nvCxnSpPr>
+          <p:cNvPr id="32" name="Shape 31"/>
+          <p:cNvCxnSpPr>
+            <a:stCxn id="30" idx="3"/>
+            <a:endCxn id="72" idx="2"/>
+          </p:cNvCxnSpPr>
+          <p:nvPr/>
+        </p:nvCxnSpPr>
+        <p:spPr>
+          <a:xfrm flipV="1">
+            <a:off x="5508104" y="4437112"/>
+            <a:ext cx="2430016" cy="1116124"/>
+          </a:xfrm>
+          <a:prstGeom prst="bentConnector2">
+            <a:avLst/>
+          </a:prstGeom>
+          <a:ln w="38100">
+            <a:headEnd type="arrow"/>
+            <a:tailEnd type="arrow"/>
+          </a:ln>
+        </p:spPr>
+        <p:style>
+          <a:lnRef idx="1">
+            <a:schemeClr val="accent1"/>
+          </a:lnRef>
+          <a:fillRef idx="0">
+            <a:schemeClr val="accent1"/>
+          </a:fillRef>
+          <a:effectRef idx="0">
+            <a:schemeClr val="accent1"/>
+          </a:effectRef>
+          <a:fontRef idx="minor">
+            <a:schemeClr val="tx1"/>
+          </a:fontRef>
+        </p:style>
+      </p:cxnSp>
+      <p:sp>
+        <p:nvSpPr>
+          <p:cNvPr id="48" name="TextBox 47"/>
+          <p:cNvSpPr txBox="1"/>
+          <p:nvPr/>
+        </p:nvSpPr>
+        <p:spPr>
+          <a:xfrm>
+            <a:off x="3563888" y="3140968"/>
+            <a:ext cx="1944216" cy="646331"/>
+          </a:xfrm>
+          <a:prstGeom prst="rect">
+            <a:avLst/>
+          </a:prstGeom>
+          <a:noFill/>
+        </p:spPr>
+        <p:txBody>
+          <a:bodyPr wrap="square" rtlCol="0">
+            <a:spAutoFit/>
+          </a:bodyPr>
+          <a:lstStyle/>
+          <a:p>
+            <a:r>
+              <a:rPr lang="fr-BE" sz="1200" dirty="0" err="1" smtClean="0"/>
+              <a:t>onCreatePeople</a:t>
+            </a:r>
+            <a:r>
+              <a:rPr lang="fr-BE" sz="1200" dirty="0" smtClean="0"/>
+              <a:t>() </a:t>
+            </a:r>
+            <a:r>
+              <a:rPr lang="fr-BE" sz="1200" dirty="0" smtClean="0">
+                <a:sym typeface="Wingdings" pitchFamily="2" charset="2"/>
+              </a:rPr>
+              <a:t> </a:t>
+            </a:r>
+            <a:r>
+              <a:rPr lang="fr-BE" sz="1200" dirty="0" err="1" smtClean="0">
+                <a:sym typeface="Wingdings" pitchFamily="2" charset="2"/>
+              </a:rPr>
+              <a:t>peopleManager.addPeople</a:t>
+            </a:r>
+            <a:r>
+              <a:rPr lang="fr-BE" sz="1200" dirty="0" smtClean="0">
+                <a:sym typeface="Wingdings" pitchFamily="2" charset="2"/>
+              </a:rPr>
+              <a:t>(</a:t>
+            </a:r>
+          </a:p>
+          <a:p>
+            <a:r>
+              <a:rPr lang="fr-BE" sz="1200" dirty="0" smtClean="0">
+                <a:sym typeface="Wingdings" pitchFamily="2" charset="2"/>
+              </a:rPr>
+              <a:t>     </a:t>
+            </a:r>
+            <a:r>
+              <a:rPr lang="fr-BE" sz="1200" dirty="0" err="1" smtClean="0">
+                <a:sym typeface="Wingdings" pitchFamily="2" charset="2"/>
+              </a:rPr>
+              <a:t>personNameEntered</a:t>
+            </a:r>
+            <a:r>
+              <a:rPr lang="fr-BE" sz="1200" dirty="0" smtClean="0">
+                <a:sym typeface="Wingdings" pitchFamily="2" charset="2"/>
+              </a:rPr>
+              <a:t>)</a:t>
+            </a:r>
+            <a:endParaRPr lang="en-US" sz="1200" dirty="0"/>
+          </a:p>
+        </p:txBody>
+      </p:sp>
+      <p:cxnSp>
+        <p:nvCxnSpPr>
+          <p:cNvPr id="51" name="Shape 50"/>
+          <p:cNvCxnSpPr>
+            <a:stCxn id="48" idx="3"/>
+            <a:endCxn id="72" idx="1"/>
+          </p:cNvCxnSpPr>
+          <p:nvPr/>
+        </p:nvCxnSpPr>
+        <p:spPr>
+          <a:xfrm>
+            <a:off x="5508104" y="3464134"/>
+            <a:ext cx="1368152" cy="612938"/>
+          </a:xfrm>
+          <a:prstGeom prst="bentConnector3">
+            <a:avLst>
+              <a:gd name="adj1" fmla="val 50000"/>
+            </a:avLst>
+          </a:prstGeom>
+          <a:ln w="6350">
+            <a:tailEnd type="arrow"/>
+          </a:ln>
+        </p:spPr>
+        <p:style>
+          <a:lnRef idx="1">
+            <a:schemeClr val="accent1"/>
+          </a:lnRef>
+          <a:fillRef idx="0">
+            <a:schemeClr val="accent1"/>
+          </a:fillRef>
+          <a:effectRef idx="0">
+            <a:schemeClr val="accent1"/>
+          </a:effectRef>
+          <a:fontRef idx="minor">
+            <a:schemeClr val="tx1"/>
+          </a:fontRef>
+        </p:style>
+      </p:cxnSp>
+      <p:cxnSp>
+        <p:nvCxnSpPr>
+          <p:cNvPr id="59" name="Straight Arrow Connector 58"/>
+          <p:cNvCxnSpPr>
+            <a:stCxn id="81" idx="6"/>
+            <a:endCxn id="48" idx="1"/>
+          </p:cNvCxnSpPr>
+          <p:nvPr/>
+        </p:nvCxnSpPr>
+        <p:spPr>
+          <a:xfrm>
+            <a:off x="2843808" y="3429000"/>
+            <a:ext cx="720080" cy="35134"/>
+          </a:xfrm>
+          <a:prstGeom prst="straightConnector1">
+            <a:avLst/>
+          </a:prstGeom>
+          <a:ln>
+            <a:tailEnd type="arrow"/>
+          </a:ln>
+        </p:spPr>
+        <p:style>
+          <a:lnRef idx="1">
+            <a:schemeClr val="accent1"/>
+          </a:lnRef>
+          <a:fillRef idx="0">
+            <a:schemeClr val="accent1"/>
+          </a:fillRef>
+          <a:effectRef idx="0">
+            <a:schemeClr val="accent1"/>
+          </a:effectRef>
+          <a:fontRef idx="minor">
+            <a:schemeClr val="tx1"/>
+          </a:fontRef>
+        </p:style>
+      </p:cxnSp>
+      <p:sp>
+        <p:nvSpPr>
+          <p:cNvPr id="62" name="TextBox 61"/>
+          <p:cNvSpPr txBox="1"/>
+          <p:nvPr/>
+        </p:nvSpPr>
+        <p:spPr>
+          <a:xfrm>
+            <a:off x="6012160" y="4077072"/>
+            <a:ext cx="576064" cy="288032"/>
+          </a:xfrm>
+          <a:prstGeom prst="rect">
+            <a:avLst/>
+          </a:prstGeom>
+          <a:noFill/>
+        </p:spPr>
+        <p:txBody>
+          <a:bodyPr wrap="square" rtlCol="0">
+            <a:spAutoFit/>
+          </a:bodyPr>
+          <a:lstStyle/>
+          <a:p>
+            <a:r>
+              <a:rPr lang="en-US" sz="1200" dirty="0" smtClean="0"/>
+              <a:t>router</a:t>
+            </a:r>
+          </a:p>
+        </p:txBody>
+      </p:sp>
+      <p:cxnSp>
+        <p:nvCxnSpPr>
+          <p:cNvPr id="64" name="Shape 50"/>
+          <p:cNvCxnSpPr>
+            <a:stCxn id="82" idx="6"/>
+            <a:endCxn id="72" idx="1"/>
+          </p:cNvCxnSpPr>
+          <p:nvPr/>
+        </p:nvCxnSpPr>
+        <p:spPr>
+          <a:xfrm flipV="1">
+            <a:off x="2979440" y="4077072"/>
+            <a:ext cx="3896816" cy="688268"/>
+          </a:xfrm>
+          <a:prstGeom prst="bentConnector3">
+            <a:avLst>
+              <a:gd name="adj1" fmla="val 50000"/>
+            </a:avLst>
+          </a:prstGeom>
+          <a:ln w="6350">
+            <a:tailEnd type="arrow"/>
+          </a:ln>
+        </p:spPr>
+        <p:style>
+          <a:lnRef idx="1">
+            <a:schemeClr val="accent1"/>
+          </a:lnRef>
+          <a:fillRef idx="0">
+            <a:schemeClr val="accent1"/>
+          </a:fillRef>
+          <a:effectRef idx="0">
+            <a:schemeClr val="accent1"/>
+          </a:effectRef>
+          <a:fontRef idx="minor">
+            <a:schemeClr val="tx1"/>
+          </a:fontRef>
+        </p:style>
+      </p:cxnSp>
+      <p:sp>
+        <p:nvSpPr>
+          <p:cNvPr id="67" name="TextBox 66"/>
+          <p:cNvSpPr txBox="1"/>
+          <p:nvPr/>
+        </p:nvSpPr>
+        <p:spPr>
+          <a:xfrm>
+            <a:off x="1331640" y="5589240"/>
+            <a:ext cx="1944216" cy="276999"/>
+          </a:xfrm>
+          <a:prstGeom prst="rect">
+            <a:avLst/>
+          </a:prstGeom>
+          <a:noFill/>
+        </p:spPr>
+        <p:txBody>
+          <a:bodyPr wrap="square" rtlCol="0">
+            <a:spAutoFit/>
+          </a:bodyPr>
+          <a:lstStyle/>
+          <a:p>
+            <a:r>
+              <a:rPr lang="fr-BE" sz="1200" dirty="0" err="1" smtClean="0">
+                <a:sym typeface="Wingdings" pitchFamily="2" charset="2"/>
+              </a:rPr>
+              <a:t>peopleManager.addPeople</a:t>
+            </a:r>
+            <a:r>
+              <a:rPr lang="fr-BE" sz="1200" dirty="0" smtClean="0">
+                <a:sym typeface="Wingdings" pitchFamily="2" charset="2"/>
+              </a:rPr>
+              <a:t>()</a:t>
+            </a:r>
+            <a:endParaRPr lang="en-US" sz="1200" dirty="0"/>
+          </a:p>
+        </p:txBody>
+      </p:sp>
+      <p:sp>
+        <p:nvSpPr>
+          <p:cNvPr id="68" name="TextBox 67"/>
+          <p:cNvSpPr txBox="1"/>
+          <p:nvPr/>
+        </p:nvSpPr>
+        <p:spPr>
+          <a:xfrm>
+            <a:off x="6300192" y="5589240"/>
+            <a:ext cx="3024336" cy="461665"/>
+          </a:xfrm>
+          <a:prstGeom prst="rect">
+            <a:avLst/>
+          </a:prstGeom>
+          <a:noFill/>
+        </p:spPr>
+        <p:txBody>
+          <a:bodyPr wrap="square" rtlCol="0">
+            <a:spAutoFit/>
+          </a:bodyPr>
+          <a:lstStyle/>
+          <a:p>
+            <a:r>
+              <a:rPr lang="fr-BE" sz="1200" dirty="0" err="1" smtClean="0">
+                <a:sym typeface="Wingdings" pitchFamily="2" charset="2"/>
+              </a:rPr>
+              <a:t>peopleManager.getAllPeople</a:t>
+            </a:r>
+            <a:r>
+              <a:rPr lang="fr-BE" sz="1200" dirty="0" smtClean="0">
+                <a:sym typeface="Wingdings" pitchFamily="2" charset="2"/>
+              </a:rPr>
+              <a:t>()</a:t>
+            </a:r>
+          </a:p>
+          <a:p>
+            <a:r>
+              <a:rPr lang="en-US" sz="1200" dirty="0" err="1" smtClean="0"/>
+              <a:t>peopleManager.peopleChanged.subscribe</a:t>
+            </a:r>
+            <a:r>
+              <a:rPr lang="en-US" sz="1200" dirty="0" smtClean="0"/>
+              <a:t>()</a:t>
+            </a:r>
+          </a:p>
+        </p:txBody>
+      </p:sp>
+      <p:sp>
+        <p:nvSpPr>
+          <p:cNvPr id="69" name="TextBox 68"/>
+          <p:cNvSpPr txBox="1"/>
+          <p:nvPr/>
+        </p:nvSpPr>
+        <p:spPr>
+          <a:xfrm>
+            <a:off x="3635896" y="5877272"/>
+            <a:ext cx="2736304" cy="523220"/>
+          </a:xfrm>
+          <a:prstGeom prst="rect">
+            <a:avLst/>
+          </a:prstGeom>
+          <a:noFill/>
+        </p:spPr>
+        <p:txBody>
+          <a:bodyPr wrap="square" rtlCol="0">
+            <a:spAutoFit/>
+          </a:bodyPr>
+          <a:lstStyle/>
+          <a:p>
+            <a:r>
+              <a:rPr lang="fr-BE" sz="1400" b="1" dirty="0" smtClean="0"/>
+              <a:t>people: string[]</a:t>
+            </a:r>
+          </a:p>
+          <a:p>
+            <a:r>
+              <a:rPr lang="fr-BE" sz="1400" b="1" dirty="0" err="1" smtClean="0"/>
+              <a:t>peopleChanged</a:t>
+            </a:r>
+            <a:r>
+              <a:rPr lang="fr-BE" sz="1400" b="1" dirty="0" smtClean="0"/>
+              <a:t>: </a:t>
+            </a:r>
+            <a:r>
+              <a:rPr lang="fr-BE" sz="1400" b="1" dirty="0" err="1" smtClean="0"/>
+              <a:t>Subject</a:t>
+            </a:r>
+            <a:r>
+              <a:rPr lang="fr-BE" sz="1400" b="1" dirty="0" smtClean="0"/>
+              <a:t>&lt;string[]&gt;</a:t>
+            </a:r>
+            <a:endParaRPr lang="en-US" sz="1400" b="1" dirty="0"/>
+          </a:p>
+        </p:txBody>
+      </p:sp>
+      <p:sp>
+        <p:nvSpPr>
+          <p:cNvPr id="70" name="Rectangle 69"/>
+          <p:cNvSpPr/>
+          <p:nvPr/>
+        </p:nvSpPr>
+        <p:spPr>
+          <a:xfrm>
+            <a:off x="467544" y="3717032"/>
+            <a:ext cx="1728192" cy="720080"/>
+          </a:xfrm>
+          <a:prstGeom prst="rect">
+            <a:avLst/>
+          </a:prstGeom>
+        </p:spPr>
+        <p:style>
+          <a:lnRef idx="2">
+            <a:schemeClr val="accent1"/>
+          </a:lnRef>
+          <a:fillRef idx="1">
+            <a:schemeClr val="lt1"/>
+          </a:fillRef>
+          <a:effectRef idx="0">
+            <a:schemeClr val="accent1"/>
+          </a:effectRef>
+          <a:fontRef idx="minor">
+            <a:schemeClr val="dk1"/>
+          </a:fontRef>
+        </p:style>
+        <p:txBody>
+          <a:bodyPr rtlCol="0" anchor="ctr"/>
+          <a:lstStyle/>
+          <a:p>
+            <a:pPr algn="ctr"/>
+            <a:r>
+              <a:rPr lang="fr-BE" dirty="0" smtClean="0"/>
+              <a:t>./</a:t>
+            </a:r>
+            <a:r>
+              <a:rPr lang="fr-BE" dirty="0" err="1" smtClean="0"/>
+              <a:t>add</a:t>
+            </a:r>
+            <a:r>
+              <a:rPr lang="fr-BE" dirty="0" smtClean="0"/>
+              <a:t>-people</a:t>
+            </a:r>
+          </a:p>
+          <a:p>
+            <a:pPr algn="ctr"/>
+            <a:r>
+              <a:rPr lang="fr-BE" dirty="0" smtClean="0">
+                <a:sym typeface="Wingdings" pitchFamily="2" charset="2"/>
+              </a:rPr>
+              <a:t> </a:t>
+            </a:r>
+            <a:r>
+              <a:rPr lang="fr-BE" dirty="0" err="1" smtClean="0">
+                <a:sym typeface="Wingdings" pitchFamily="2" charset="2"/>
+              </a:rPr>
+              <a:t>people.page</a:t>
+            </a:r>
+            <a:endParaRPr lang="en-US" dirty="0"/>
+          </a:p>
+        </p:txBody>
+      </p:sp>
+      <p:sp>
+        <p:nvSpPr>
+          <p:cNvPr id="72" name="Rectangle 71"/>
+          <p:cNvSpPr/>
+          <p:nvPr/>
+        </p:nvSpPr>
+        <p:spPr>
+          <a:xfrm>
+            <a:off x="6876256" y="3717032"/>
+            <a:ext cx="2123728" cy="720080"/>
+          </a:xfrm>
+          <a:prstGeom prst="rect">
+            <a:avLst/>
+          </a:prstGeom>
+        </p:spPr>
+        <p:style>
+          <a:lnRef idx="2">
+            <a:schemeClr val="accent1"/>
+          </a:lnRef>
+          <a:fillRef idx="1">
+            <a:schemeClr val="lt1"/>
+          </a:fillRef>
+          <a:effectRef idx="0">
+            <a:schemeClr val="accent1"/>
+          </a:effectRef>
+          <a:fontRef idx="minor">
+            <a:schemeClr val="dk1"/>
+          </a:fontRef>
+        </p:style>
+        <p:txBody>
+          <a:bodyPr rtlCol="0" anchor="ctr"/>
+          <a:lstStyle/>
+          <a:p>
+            <a:pPr algn="ctr"/>
+            <a:r>
+              <a:rPr lang="fr-BE" dirty="0" smtClean="0"/>
+              <a:t>./people-</a:t>
+            </a:r>
+            <a:r>
+              <a:rPr lang="fr-BE" dirty="0" err="1" smtClean="0"/>
+              <a:t>list</a:t>
+            </a:r>
+            <a:endParaRPr lang="fr-BE" dirty="0" smtClean="0">
+              <a:sym typeface="Wingdings" pitchFamily="2" charset="2"/>
+            </a:endParaRPr>
+          </a:p>
+          <a:p>
+            <a:pPr algn="ctr"/>
+            <a:r>
+              <a:rPr lang="fr-BE" dirty="0" smtClean="0">
+                <a:sym typeface="Wingdings" pitchFamily="2" charset="2"/>
+              </a:rPr>
+              <a:t> </a:t>
+            </a:r>
+            <a:r>
+              <a:rPr lang="fr-BE" dirty="0" err="1" smtClean="0">
+                <a:sym typeface="Wingdings" pitchFamily="2" charset="2"/>
+              </a:rPr>
+              <a:t>people-list.page</a:t>
+            </a:r>
+            <a:endParaRPr lang="en-US" dirty="0"/>
+          </a:p>
+        </p:txBody>
+      </p:sp>
+      <p:sp>
+        <p:nvSpPr>
+          <p:cNvPr id="81" name="Oval 80"/>
+          <p:cNvSpPr/>
+          <p:nvPr/>
+        </p:nvSpPr>
+        <p:spPr>
+          <a:xfrm>
+            <a:off x="1835696" y="3212976"/>
+            <a:ext cx="1008112" cy="432048"/>
+          </a:xfrm>
+          <a:prstGeom prst="ellipse">
+            <a:avLst/>
+          </a:prstGeom>
+        </p:spPr>
+        <p:style>
+          <a:lnRef idx="2">
+            <a:schemeClr val="accent1"/>
+          </a:lnRef>
+          <a:fillRef idx="1">
+            <a:schemeClr val="lt1"/>
+          </a:fillRef>
+          <a:effectRef idx="0">
+            <a:schemeClr val="accent1"/>
+          </a:effectRef>
+          <a:fontRef idx="minor">
+            <a:schemeClr val="dk1"/>
+          </a:fontRef>
+        </p:style>
+        <p:txBody>
+          <a:bodyPr rtlCol="0" anchor="ctr"/>
+          <a:lstStyle/>
+          <a:p>
+            <a:pPr algn="ctr"/>
+            <a:r>
+              <a:rPr lang="fr-BE" dirty="0" err="1" smtClean="0"/>
+              <a:t>Add</a:t>
+            </a:r>
+            <a:endParaRPr lang="en-US" dirty="0" smtClean="0"/>
+          </a:p>
+        </p:txBody>
+      </p:sp>
+      <p:sp>
+        <p:nvSpPr>
+          <p:cNvPr id="82" name="Oval 81"/>
+          <p:cNvSpPr/>
+          <p:nvPr/>
+        </p:nvSpPr>
+        <p:spPr>
+          <a:xfrm>
+            <a:off x="1763688" y="4509120"/>
+            <a:ext cx="1215752" cy="512440"/>
+          </a:xfrm>
+          <a:prstGeom prst="ellipse">
+            <a:avLst/>
+          </a:prstGeom>
+        </p:spPr>
+        <p:style>
+          <a:lnRef idx="2">
+            <a:schemeClr val="accent1"/>
+          </a:lnRef>
+          <a:fillRef idx="1">
+            <a:schemeClr val="lt1"/>
+          </a:fillRef>
+          <a:effectRef idx="0">
+            <a:schemeClr val="accent1"/>
+          </a:effectRef>
+          <a:fontRef idx="minor">
+            <a:schemeClr val="dk1"/>
+          </a:fontRef>
+        </p:style>
+        <p:txBody>
+          <a:bodyPr rtlCol="0" anchor="ctr"/>
+          <a:lstStyle/>
+          <a:p>
+            <a:pPr algn="ctr"/>
+            <a:r>
+              <a:rPr lang="fr-BE" dirty="0" err="1" smtClean="0"/>
+              <a:t>See</a:t>
+            </a:r>
+            <a:r>
+              <a:rPr lang="fr-BE" dirty="0" smtClean="0"/>
+              <a:t> </a:t>
+            </a:r>
+            <a:r>
+              <a:rPr lang="fr-BE" dirty="0" err="1" smtClean="0"/>
+              <a:t>list</a:t>
+            </a:r>
+            <a:endParaRPr lang="en-US" dirty="0"/>
+          </a:p>
+        </p:txBody>
+      </p:sp>
+      <p:sp>
+        <p:nvSpPr>
+          <p:cNvPr id="25" name="Date Placeholder 24"/>
+          <p:cNvSpPr>
+            <a:spLocks noGrp="1"/>
+          </p:cNvSpPr>
+          <p:nvPr>
+            <p:ph type="dt" sz="half" idx="10"/>
+          </p:nvPr>
+        </p:nvSpPr>
+        <p:spPr/>
+        <p:txBody>
+          <a:bodyPr/>
+          <a:lstStyle/>
+          <a:p>
+            <a:r>
+              <a:rPr lang="en-US" smtClean="0"/>
+              <a:t>30/082019</a:t>
+            </a:r>
+            <a:endParaRPr lang="en-US"/>
+          </a:p>
+        </p:txBody>
+      </p:sp>
+      <p:sp>
+        <p:nvSpPr>
+          <p:cNvPr id="28" name="Slide Number Placeholder 27"/>
+          <p:cNvSpPr>
+            <a:spLocks noGrp="1"/>
+          </p:cNvSpPr>
+          <p:nvPr>
+            <p:ph type="sldNum" sz="quarter" idx="12"/>
+          </p:nvPr>
+        </p:nvSpPr>
+        <p:spPr/>
+        <p:txBody>
+          <a:bodyPr/>
+          <a:lstStyle/>
+          <a:p>
+            <a:fld id="{DD20A2E5-6066-42A7-9FA8-39AC0F133469}" type="slidenum">
+              <a:rPr lang="en-US" smtClean="0"/>
+              <a:pPr/>
+              <a:t>5</a:t>
+            </a:fld>
+            <a:endParaRPr lang="en-US"/>
+          </a:p>
+        </p:txBody>
+      </p:sp>
+      <p:sp>
+        <p:nvSpPr>
+          <p:cNvPr id="29" name="Footer Placeholder 28"/>
+          <p:cNvSpPr>
+            <a:spLocks noGrp="1"/>
+          </p:cNvSpPr>
+          <p:nvPr>
+            <p:ph type="ftr" sz="quarter" idx="11"/>
+          </p:nvPr>
+        </p:nvSpPr>
+        <p:spPr/>
+        <p:txBody>
+          <a:bodyPr/>
+          <a:lstStyle/>
+          <a:p>
+            <a:r>
+              <a:rPr lang="en-US" smtClean="0"/>
+              <a:t>Ismail Joseph @Clariba</a:t>
+            </a:r>
+            <a:endParaRPr lang="en-US"/>
+          </a:p>
+        </p:txBody>
+      </p:sp>
+    </p:spTree>
+  </p:cSld>
+  <p:clrMapOvr>
+    <a:masterClrMapping/>
+  </p:clrMapOvr>
+  <p:timing>
+    <p:tnLst>
+      <p:par>
+        <p:cTn id="1" dur="indefinite" restart="never" nodeType="tmRoot"/>
+      </p:par>
+    </p:tnLst>
+  </p:timing>
+</p:sld>
+</file>
+
+<file path=ppt/slides/slide6.xml><?xml version="1.0" encoding="utf-8"?>
+<p:sld xmlns:a="http://schemas.openxmlformats.org/drawingml/2006/main" xmlns:r="http://schemas.openxmlformats.org/officeDocument/2006/relationships" xmlns:p="http://schemas.openxmlformats.org/presentationml/2006/main">
+  <p:cSld>
+    <p:spTree>
+      <p:nvGrpSpPr>
+        <p:cNvPr id="1" name=""/>
+        <p:cNvGrpSpPr/>
+        <p:nvPr/>
+      </p:nvGrpSpPr>
+      <p:grpSpPr>
+        <a:xfrm>
+          <a:off x="0" y="0"/>
+          <a:ext cx="0" cy="0"/>
+          <a:chOff x="0" y="0"/>
+          <a:chExt cx="0" cy="0"/>
+        </a:xfrm>
+      </p:grpSpPr>
+      <p:sp>
+        <p:nvSpPr>
+          <p:cNvPr id="2" name="Title 1"/>
+          <p:cNvSpPr>
+            <a:spLocks noGrp="1"/>
+          </p:cNvSpPr>
+          <p:nvPr>
+            <p:ph type="title"/>
+          </p:nvPr>
+        </p:nvSpPr>
+        <p:spPr/>
+        <p:txBody>
+          <a:bodyPr>
+            <a:normAutofit/>
+          </a:bodyPr>
+          <a:lstStyle/>
+          <a:p>
+            <a:r>
+              <a:rPr lang="fr-BE" dirty="0" smtClean="0"/>
+              <a:t>Challenges &amp; Assumptions </a:t>
+            </a:r>
+            <a:r>
+              <a:rPr lang="fr-BE" dirty="0" smtClean="0">
+                <a:sym typeface="Wingdings" pitchFamily="2" charset="2"/>
+              </a:rPr>
+              <a:t> ..?</a:t>
+            </a:r>
+            <a:endParaRPr lang="en-US" dirty="0"/>
+          </a:p>
+        </p:txBody>
+      </p:sp>
+      <p:sp>
+        <p:nvSpPr>
+          <p:cNvPr id="3" name="Content Placeholder 2"/>
+          <p:cNvSpPr>
+            <a:spLocks noGrp="1"/>
+          </p:cNvSpPr>
+          <p:nvPr>
+            <p:ph idx="1"/>
+          </p:nvPr>
+        </p:nvSpPr>
+        <p:spPr/>
+        <p:txBody>
+          <a:bodyPr>
+            <a:normAutofit/>
+          </a:bodyPr>
+          <a:lstStyle/>
+          <a:p>
+            <a:r>
+              <a:rPr lang="fr-BE" sz="3600" dirty="0" err="1" smtClean="0"/>
+              <a:t>Deleting</a:t>
+            </a:r>
+            <a:r>
+              <a:rPr lang="fr-BE" sz="3600" dirty="0" smtClean="0"/>
+              <a:t> people in the </a:t>
+            </a:r>
+            <a:r>
+              <a:rPr lang="fr-BE" sz="3600" dirty="0" err="1" smtClean="0"/>
+              <a:t>list</a:t>
+            </a:r>
+            <a:endParaRPr lang="fr-BE" sz="3600" dirty="0" smtClean="0"/>
+          </a:p>
+          <a:p>
+            <a:pPr lvl="1"/>
+            <a:r>
+              <a:rPr lang="fr-BE" dirty="0" err="1" smtClean="0"/>
+              <a:t>Identify</a:t>
+            </a:r>
+            <a:r>
+              <a:rPr lang="fr-BE" dirty="0" smtClean="0"/>
+              <a:t> data to </a:t>
+            </a:r>
+            <a:r>
+              <a:rPr lang="fr-BE" dirty="0" err="1" smtClean="0"/>
+              <a:t>remove</a:t>
+            </a:r>
+            <a:endParaRPr lang="fr-BE" dirty="0" smtClean="0"/>
+          </a:p>
+          <a:p>
+            <a:pPr lvl="1"/>
+            <a:r>
+              <a:rPr lang="fr-BE" dirty="0" err="1" smtClean="0"/>
+              <a:t>Subscribing</a:t>
+            </a:r>
+            <a:r>
+              <a:rPr lang="fr-BE" dirty="0" smtClean="0"/>
+              <a:t>/</a:t>
+            </a:r>
+            <a:r>
+              <a:rPr lang="fr-BE" dirty="0" err="1" smtClean="0"/>
+              <a:t>unsubscribing</a:t>
+            </a:r>
+            <a:r>
+              <a:rPr lang="fr-BE" dirty="0" smtClean="0"/>
+              <a:t> to changes</a:t>
+            </a:r>
+          </a:p>
+          <a:p>
+            <a:r>
+              <a:rPr lang="fr-BE" dirty="0" err="1" smtClean="0"/>
+              <a:t>Complex</a:t>
+            </a:r>
+            <a:r>
+              <a:rPr lang="fr-BE" dirty="0" smtClean="0"/>
+              <a:t> data </a:t>
+            </a:r>
+          </a:p>
+          <a:p>
+            <a:pPr lvl="1"/>
+            <a:r>
+              <a:rPr lang="fr-BE" dirty="0" err="1" smtClean="0"/>
+              <a:t>Create</a:t>
+            </a:r>
+            <a:r>
+              <a:rPr lang="fr-BE" dirty="0" smtClean="0"/>
+              <a:t> model </a:t>
+            </a:r>
+            <a:r>
+              <a:rPr lang="fr-BE" dirty="0" smtClean="0">
+                <a:sym typeface="Wingdings" pitchFamily="2" charset="2"/>
+              </a:rPr>
+              <a:t> export interface People {}</a:t>
+            </a:r>
+            <a:endParaRPr lang="fr-BE" dirty="0" smtClean="0"/>
+          </a:p>
+          <a:p>
+            <a:r>
+              <a:rPr lang="fr-BE" sz="3600" dirty="0" smtClean="0"/>
+              <a:t>Handling User Input</a:t>
+            </a:r>
+          </a:p>
+          <a:p>
+            <a:pPr lvl="1"/>
+            <a:r>
+              <a:rPr lang="fr-BE" dirty="0" err="1" smtClean="0"/>
+              <a:t>Authentication</a:t>
+            </a:r>
+            <a:r>
+              <a:rPr lang="fr-BE" dirty="0" smtClean="0"/>
+              <a:t>, </a:t>
+            </a:r>
+            <a:r>
+              <a:rPr lang="fr-BE" dirty="0" err="1" smtClean="0"/>
+              <a:t>Form</a:t>
+            </a:r>
+            <a:r>
+              <a:rPr lang="fr-BE" smtClean="0"/>
+              <a:t> </a:t>
+            </a:r>
+            <a:r>
+              <a:rPr lang="fr-BE" smtClean="0"/>
+              <a:t>Template</a:t>
+            </a:r>
+            <a:endParaRPr lang="fr-BE" dirty="0" smtClean="0"/>
+          </a:p>
+        </p:txBody>
+      </p:sp>
+      <p:sp>
+        <p:nvSpPr>
+          <p:cNvPr id="4" name="Date Placeholder 3"/>
+          <p:cNvSpPr>
+            <a:spLocks noGrp="1"/>
+          </p:cNvSpPr>
+          <p:nvPr>
+            <p:ph type="dt" sz="half" idx="10"/>
+          </p:nvPr>
+        </p:nvSpPr>
+        <p:spPr/>
+        <p:txBody>
+          <a:bodyPr/>
+          <a:lstStyle/>
+          <a:p>
+            <a:r>
+              <a:rPr lang="en-US" smtClean="0"/>
+              <a:t>30/082019</a:t>
+            </a:r>
+            <a:endParaRPr lang="en-US"/>
+          </a:p>
+        </p:txBody>
+      </p:sp>
+      <p:sp>
+        <p:nvSpPr>
+          <p:cNvPr id="5" name="Slide Number Placeholder 4"/>
+          <p:cNvSpPr>
+            <a:spLocks noGrp="1"/>
+          </p:cNvSpPr>
+          <p:nvPr>
+            <p:ph type="sldNum" sz="quarter" idx="12"/>
+          </p:nvPr>
+        </p:nvSpPr>
+        <p:spPr/>
+        <p:txBody>
+          <a:bodyPr/>
+          <a:lstStyle/>
+          <a:p>
+            <a:fld id="{DD20A2E5-6066-42A7-9FA8-39AC0F133469}" type="slidenum">
+              <a:rPr lang="en-US" smtClean="0"/>
+              <a:pPr/>
+              <a:t>6</a:t>
+            </a:fld>
+            <a:endParaRPr lang="en-US"/>
+          </a:p>
+        </p:txBody>
+      </p:sp>
+      <p:sp>
+        <p:nvSpPr>
+          <p:cNvPr id="6" name="Footer Placeholder 5"/>
+          <p:cNvSpPr>
+            <a:spLocks noGrp="1"/>
+          </p:cNvSpPr>
+          <p:nvPr>
+            <p:ph type="ftr" sz="quarter" idx="11"/>
+          </p:nvPr>
+        </p:nvSpPr>
+        <p:spPr/>
+        <p:txBody>
+          <a:bodyPr/>
+          <a:lstStyle/>
+          <a:p>
+            <a:r>
+              <a:rPr lang="en-US" smtClean="0"/>
+              <a:t>Ismail Joseph @Clariba</a:t>
+            </a:r>
+            <a:endParaRPr lang="en-US"/>
+          </a:p>
+        </p:txBody>
+      </p:sp>
+    </p:spTree>
+  </p:cSld>
+  <p:clrMapOvr>
+    <a:masterClrMapping/>
+  </p:clrMapOvr>
+  <p:timing>
+    <p:tnLst>
+      <p:par>
+        <p:cTn id="1" dur="indefinite" restart="never" nodeType="tmRoot"/>
+      </p:par>
+    </p:tnLst>
+  </p:timing>
 </p:sld>
 </file>
 
@@ -3582,4 +6384,287 @@
   <a:objectDefaults/>
   <a:extraClrSchemeLst/>
 </a:theme>
+</file>
+
+<file path=ppt/theme/theme2.xml><?xml version="1.0" encoding="utf-8"?>
+<a:theme xmlns:a="http://schemas.openxmlformats.org/drawingml/2006/main" name="Office Theme">
+  <a:themeElements>
+    <a:clrScheme name="Office">
+      <a:dk1>
+        <a:sysClr val="windowText" lastClr="000000"/>
+      </a:dk1>
+      <a:lt1>
+        <a:sysClr val="window" lastClr="FFFFFF"/>
+      </a:lt1>
+      <a:dk2>
+        <a:srgbClr val="1F497D"/>
+      </a:dk2>
+      <a:lt2>
+        <a:srgbClr val="EEECE1"/>
+      </a:lt2>
+      <a:accent1>
+        <a:srgbClr val="4F81BD"/>
+      </a:accent1>
+      <a:accent2>
+        <a:srgbClr val="C0504D"/>
+      </a:accent2>
+      <a:accent3>
+        <a:srgbClr val="9BBB59"/>
+      </a:accent3>
+      <a:accent4>
+        <a:srgbClr val="8064A2"/>
+      </a:accent4>
+      <a:accent5>
+        <a:srgbClr val="4BACC6"/>
+      </a:accent5>
+      <a:accent6>
+        <a:srgbClr val="F79646"/>
+      </a:accent6>
+      <a:hlink>
+        <a:srgbClr val="0000FF"/>
+      </a:hlink>
+      <a:folHlink>
+        <a:srgbClr val="800080"/>
+      </a:folHlink>
+    </a:clrScheme>
+    <a:fontScheme name="Office">
+      <a:majorFont>
+        <a:latin typeface="Calibri"/>
+        <a:ea typeface=""/>
+        <a:cs typeface=""/>
+        <a:font script="Jpan" typeface="ＭＳ Ｐゴシック"/>
+        <a:font script="Hang" typeface="맑은 고딕"/>
+        <a:font script="Hans" typeface="宋体"/>
+        <a:font script="Hant" typeface="新細明體"/>
+        <a:font script="Arab" typeface="Times New Roman"/>
+        <a:font script="Hebr" typeface="Times New Roman"/>
+        <a:font script="Thai" typeface="Angsana New"/>
+        <a:font script="Ethi" typeface="Nyala"/>
+        <a:font script="Beng" typeface="Vrinda"/>
+        <a:font script="Gujr" typeface="Shruti"/>
+        <a:font script="Khmr" typeface="MoolBoran"/>
+        <a:font script="Knda" typeface="Tunga"/>
+        <a:font script="Guru" typeface="Raavi"/>
+        <a:font script="Cans" typeface="Euphemia"/>
+        <a:font script="Cher" typeface="Plantagenet Cherokee"/>
+        <a:font script="Yiii" typeface="Microsoft Yi Baiti"/>
+        <a:font script="Tibt" typeface="Microsoft Himalaya"/>
+        <a:font script="Thaa" typeface="MV Boli"/>
+        <a:font script="Deva" typeface="Mangal"/>
+        <a:font script="Telu" typeface="Gautami"/>
+        <a:font script="Taml" typeface="Latha"/>
+        <a:font script="Syrc" typeface="Estrangelo Edessa"/>
+        <a:font script="Orya" typeface="Kalinga"/>
+        <a:font script="Mlym" typeface="Kartika"/>
+        <a:font script="Laoo" typeface="DokChampa"/>
+        <a:font script="Sinh" typeface="Iskoola Pota"/>
+        <a:font script="Mong" typeface="Mongolian Baiti"/>
+        <a:font script="Viet" typeface="Times New Roman"/>
+        <a:font script="Uigh" typeface="Microsoft Uighur"/>
+      </a:majorFont>
+      <a:minorFont>
+        <a:latin typeface="Calibri"/>
+        <a:ea typeface=""/>
+        <a:cs typeface=""/>
+        <a:font script="Jpan" typeface="ＭＳ Ｐゴシック"/>
+        <a:font script="Hang" typeface="맑은 고딕"/>
+        <a:font script="Hans" typeface="宋体"/>
+        <a:font script="Hant" typeface="新細明體"/>
+        <a:font script="Arab" typeface="Arial"/>
+        <a:font script="Hebr" typeface="Arial"/>
+        <a:font script="Thai" typeface="Cordia New"/>
+        <a:font script="Ethi" typeface="Nyala"/>
+        <a:font script="Beng" typeface="Vrinda"/>
+        <a:font script="Gujr" typeface="Shruti"/>
+        <a:font script="Khmr" typeface="DaunPenh"/>
+        <a:font script="Knda" typeface="Tunga"/>
+        <a:font script="Guru" typeface="Raavi"/>
+        <a:font script="Cans" typeface="Euphemia"/>
+        <a:font script="Cher" typeface="Plantagenet Cherokee"/>
+        <a:font script="Yiii" typeface="Microsoft Yi Baiti"/>
+        <a:font script="Tibt" typeface="Microsoft Himalaya"/>
+        <a:font script="Thaa" typeface="MV Boli"/>
+        <a:font script="Deva" typeface="Mangal"/>
+        <a:font script="Telu" typeface="Gautami"/>
+        <a:font script="Taml" typeface="Latha"/>
+        <a:font script="Syrc" typeface="Estrangelo Edessa"/>
+        <a:font script="Orya" typeface="Kalinga"/>
+        <a:font script="Mlym" typeface="Kartika"/>
+        <a:font script="Laoo" typeface="DokChampa"/>
+        <a:font script="Sinh" typeface="Iskoola Pota"/>
+        <a:font script="Mong" typeface="Mongolian Baiti"/>
+        <a:font script="Viet" typeface="Arial"/>
+        <a:font script="Uigh" typeface="Microsoft Uighur"/>
+      </a:minorFont>
+    </a:fontScheme>
+    <a:fmtScheme name="Office">
+      <a:fillStyleLst>
+        <a:solidFill>
+          <a:schemeClr val="phClr"/>
+        </a:solidFill>
+        <a:gradFill rotWithShape="1">
+          <a:gsLst>
+            <a:gs pos="0">
+              <a:schemeClr val="phClr">
+                <a:tint val="50000"/>
+                <a:satMod val="300000"/>
+              </a:schemeClr>
+            </a:gs>
+            <a:gs pos="35000">
+              <a:schemeClr val="phClr">
+                <a:tint val="37000"/>
+                <a:satMod val="300000"/>
+              </a:schemeClr>
+            </a:gs>
+            <a:gs pos="100000">
+              <a:schemeClr val="phClr">
+                <a:tint val="15000"/>
+                <a:satMod val="350000"/>
+              </a:schemeClr>
+            </a:gs>
+          </a:gsLst>
+          <a:lin ang="16200000" scaled="1"/>
+        </a:gradFill>
+        <a:gradFill rotWithShape="1">
+          <a:gsLst>
+            <a:gs pos="0">
+              <a:schemeClr val="phClr">
+                <a:shade val="51000"/>
+                <a:satMod val="130000"/>
+              </a:schemeClr>
+            </a:gs>
+            <a:gs pos="80000">
+              <a:schemeClr val="phClr">
+                <a:shade val="93000"/>
+                <a:satMod val="130000"/>
+              </a:schemeClr>
+            </a:gs>
+            <a:gs pos="100000">
+              <a:schemeClr val="phClr">
+                <a:shade val="94000"/>
+                <a:satMod val="135000"/>
+              </a:schemeClr>
+            </a:gs>
+          </a:gsLst>
+          <a:lin ang="16200000" scaled="0"/>
+        </a:gradFill>
+      </a:fillStyleLst>
+      <a:lnStyleLst>
+        <a:ln w="9525" cap="flat" cmpd="sng" algn="ctr">
+          <a:solidFill>
+            <a:schemeClr val="phClr">
+              <a:shade val="95000"/>
+              <a:satMod val="105000"/>
+            </a:schemeClr>
+          </a:solidFill>
+          <a:prstDash val="solid"/>
+        </a:ln>
+        <a:ln w="25400" cap="flat" cmpd="sng" algn="ctr">
+          <a:solidFill>
+            <a:schemeClr val="phClr"/>
+          </a:solidFill>
+          <a:prstDash val="solid"/>
+        </a:ln>
+        <a:ln w="38100" cap="flat" cmpd="sng" algn="ctr">
+          <a:solidFill>
+            <a:schemeClr val="phClr"/>
+          </a:solidFill>
+          <a:prstDash val="solid"/>
+        </a:ln>
+      </a:lnStyleLst>
+      <a:effectStyleLst>
+        <a:effectStyle>
+          <a:effectLst>
+            <a:outerShdw blurRad="40000" dist="20000" dir="5400000" rotWithShape="0">
+              <a:srgbClr val="000000">
+                <a:alpha val="38000"/>
+              </a:srgbClr>
+            </a:outerShdw>
+          </a:effectLst>
+        </a:effectStyle>
+        <a:effectStyle>
+          <a:effectLst>
+            <a:outerShdw blurRad="40000" dist="23000" dir="5400000" rotWithShape="0">
+              <a:srgbClr val="000000">
+                <a:alpha val="35000"/>
+              </a:srgbClr>
+            </a:outerShdw>
+          </a:effectLst>
+        </a:effectStyle>
+        <a:effectStyle>
+          <a:effectLst>
+            <a:outerShdw blurRad="40000" dist="23000" dir="5400000" rotWithShape="0">
+              <a:srgbClr val="000000">
+                <a:alpha val="35000"/>
+              </a:srgbClr>
+            </a:outerShdw>
+          </a:effectLst>
+          <a:scene3d>
+            <a:camera prst="orthographicFront">
+              <a:rot lat="0" lon="0" rev="0"/>
+            </a:camera>
+            <a:lightRig rig="threePt" dir="t">
+              <a:rot lat="0" lon="0" rev="1200000"/>
+            </a:lightRig>
+          </a:scene3d>
+          <a:sp3d>
+            <a:bevelT w="63500" h="25400"/>
+          </a:sp3d>
+        </a:effectStyle>
+      </a:effectStyleLst>
+      <a:bgFillStyleLst>
+        <a:solidFill>
+          <a:schemeClr val="phClr"/>
+        </a:solidFill>
+        <a:gradFill rotWithShape="1">
+          <a:gsLst>
+            <a:gs pos="0">
+              <a:schemeClr val="phClr">
+                <a:tint val="40000"/>
+                <a:satMod val="350000"/>
+              </a:schemeClr>
+            </a:gs>
+            <a:gs pos="40000">
+              <a:schemeClr val="phClr">
+                <a:tint val="45000"/>
+                <a:shade val="99000"/>
+                <a:satMod val="350000"/>
+              </a:schemeClr>
+            </a:gs>
+            <a:gs pos="100000">
+              <a:schemeClr val="phClr">
+                <a:shade val="20000"/>
+                <a:satMod val="255000"/>
+              </a:schemeClr>
+            </a:gs>
+          </a:gsLst>
+          <a:path path="circle">
+            <a:fillToRect l="50000" t="-80000" r="50000" b="180000"/>
+          </a:path>
+        </a:gradFill>
+        <a:gradFill rotWithShape="1">
+          <a:gsLst>
+            <a:gs pos="0">
+              <a:schemeClr val="phClr">
+                <a:tint val="80000"/>
+                <a:satMod val="300000"/>
+              </a:schemeClr>
+            </a:gs>
+            <a:gs pos="100000">
+              <a:schemeClr val="phClr">
+                <a:shade val="30000"/>
+                <a:satMod val="200000"/>
+              </a:schemeClr>
+            </a:gs>
+          </a:gsLst>
+          <a:path path="circle">
+            <a:fillToRect l="50000" t="50000" r="50000" b="50000"/>
+          </a:path>
+        </a:gradFill>
+      </a:bgFillStyleLst>
+    </a:fmtScheme>
+  </a:themeElements>
+  <a:objectDefaults/>
+  <a:extraClrSchemeLst/>
+</a:theme>
 </file>
--- a/Clariba_test_presentation.pptx
+++ b/Clariba_test_presentation.pptx
@@ -5,7 +5,7 @@
     <p:sldMasterId id="2147483648" r:id="rId1"/>
   </p:sldMasterIdLst>
   <p:notesMasterIdLst>
-    <p:notesMasterId r:id="rId8"/>
+    <p:notesMasterId r:id="rId9"/>
   </p:notesMasterIdLst>
   <p:sldIdLst>
     <p:sldId id="256" r:id="rId2"/>
@@ -14,6 +14,7 @@
     <p:sldId id="259" r:id="rId5"/>
     <p:sldId id="260" r:id="rId6"/>
     <p:sldId id="261" r:id="rId7"/>
+    <p:sldId id="262" r:id="rId8"/>
   </p:sldIdLst>
   <p:sldSz cx="9144000" cy="6858000" type="screen4x3"/>
   <p:notesSz cx="6858000" cy="9144000"/>
@@ -197,6 +198,7 @@
           <a:p>
             <a:fld id="{7C361400-B007-4F53-BBE4-B4ED25C38A3F}" type="datetimeFigureOut">
               <a:rPr lang="en-US" smtClean="0"/>
+              <a:pPr/>
               <a:t>8/30/2019</a:t>
             </a:fld>
             <a:endParaRPr lang="en-US"/>
@@ -358,6 +360,7 @@
           <a:p>
             <a:fld id="{A91E38C1-8C59-43C3-B6E9-D750F3A79330}" type="slidenum">
               <a:rPr lang="en-US" smtClean="0"/>
+              <a:pPr/>
               <a:t>‹#›</a:t>
             </a:fld>
             <a:endParaRPr lang="en-US"/>
@@ -643,7 +646,7 @@
           <a:p>
             <a:r>
               <a:rPr lang="en-US" smtClean="0"/>
-              <a:t>30/082019</a:t>
+              <a:t>30/08/2019</a:t>
             </a:r>
             <a:endParaRPr lang="en-US"/>
           </a:p>
@@ -813,7 +816,7 @@
           <a:p>
             <a:r>
               <a:rPr lang="en-US" smtClean="0"/>
-              <a:t>30/082019</a:t>
+              <a:t>30/08/2019</a:t>
             </a:r>
             <a:endParaRPr lang="en-US"/>
           </a:p>
@@ -993,7 +996,7 @@
           <a:p>
             <a:r>
               <a:rPr lang="en-US" smtClean="0"/>
-              <a:t>30/082019</a:t>
+              <a:t>30/08/2019</a:t>
             </a:r>
             <a:endParaRPr lang="en-US"/>
           </a:p>
@@ -1163,7 +1166,7 @@
           <a:p>
             <a:r>
               <a:rPr lang="en-US" smtClean="0"/>
-              <a:t>30/082019</a:t>
+              <a:t>30/08/2019</a:t>
             </a:r>
             <a:endParaRPr lang="en-US"/>
           </a:p>
@@ -1409,7 +1412,7 @@
           <a:p>
             <a:r>
               <a:rPr lang="en-US" smtClean="0"/>
-              <a:t>30/082019</a:t>
+              <a:t>30/08/2019</a:t>
             </a:r>
             <a:endParaRPr lang="en-US"/>
           </a:p>
@@ -1697,7 +1700,7 @@
           <a:p>
             <a:r>
               <a:rPr lang="en-US" smtClean="0"/>
-              <a:t>30/082019</a:t>
+              <a:t>30/08/2019</a:t>
             </a:r>
             <a:endParaRPr lang="en-US"/>
           </a:p>
@@ -2119,7 +2122,7 @@
           <a:p>
             <a:r>
               <a:rPr lang="en-US" smtClean="0"/>
-              <a:t>30/082019</a:t>
+              <a:t>30/08/2019</a:t>
             </a:r>
             <a:endParaRPr lang="en-US"/>
           </a:p>
@@ -2237,7 +2240,7 @@
           <a:p>
             <a:r>
               <a:rPr lang="en-US" smtClean="0"/>
-              <a:t>30/082019</a:t>
+              <a:t>30/08/2019</a:t>
             </a:r>
             <a:endParaRPr lang="en-US"/>
           </a:p>
@@ -2332,7 +2335,7 @@
           <a:p>
             <a:r>
               <a:rPr lang="en-US" smtClean="0"/>
-              <a:t>30/082019</a:t>
+              <a:t>30/08/2019</a:t>
             </a:r>
             <a:endParaRPr lang="en-US"/>
           </a:p>
@@ -2609,7 +2612,7 @@
           <a:p>
             <a:r>
               <a:rPr lang="en-US" smtClean="0"/>
-              <a:t>30/082019</a:t>
+              <a:t>30/08/2019</a:t>
             </a:r>
             <a:endParaRPr lang="en-US"/>
           </a:p>
@@ -2862,7 +2865,7 @@
           <a:p>
             <a:r>
               <a:rPr lang="en-US" smtClean="0"/>
-              <a:t>30/082019</a:t>
+              <a:t>30/08/2019</a:t>
             </a:r>
             <a:endParaRPr lang="en-US"/>
           </a:p>
@@ -3075,7 +3078,7 @@
           <a:p>
             <a:r>
               <a:rPr lang="en-US" smtClean="0"/>
-              <a:t>30/082019</a:t>
+              <a:t>30/08/2019</a:t>
             </a:r>
             <a:endParaRPr lang="en-US"/>
           </a:p>
@@ -3534,7 +3537,7 @@
           <a:p>
             <a:r>
               <a:rPr lang="en-US" smtClean="0"/>
-              <a:t>30/082019</a:t>
+              <a:t>30/08/2019</a:t>
             </a:r>
             <a:endParaRPr lang="en-US"/>
           </a:p>
@@ -3592,6 +3595,13 @@
   <p:clrMapOvr>
     <a:masterClrMapping/>
   </p:clrMapOvr>
+  <p:timing>
+    <p:tnLst>
+      <p:par>
+        <p:cTn id="1" dur="indefinite" restart="never" nodeType="tmRoot"/>
+      </p:par>
+    </p:tnLst>
+  </p:timing>
 </p:sld>
 </file>
 
@@ -3738,7 +3748,7 @@
           <a:p>
             <a:r>
               <a:rPr lang="en-US" smtClean="0"/>
-              <a:t>30/082019</a:t>
+              <a:t>30/08/2019</a:t>
             </a:r>
             <a:endParaRPr lang="en-US"/>
           </a:p>
@@ -3796,6 +3806,13 @@
   <p:clrMapOvr>
     <a:masterClrMapping/>
   </p:clrMapOvr>
+  <p:timing>
+    <p:tnLst>
+      <p:par>
+        <p:cTn id="1" dur="indefinite" restart="never" nodeType="tmRoot"/>
+      </p:par>
+    </p:tnLst>
+  </p:timing>
 </p:sld>
 </file>
 
@@ -3849,7 +3866,12 @@
             <p:ph idx="1"/>
           </p:nvPr>
         </p:nvSpPr>
-        <p:spPr/>
+        <p:spPr>
+          <a:xfrm>
+            <a:off x="457200" y="1600201"/>
+            <a:ext cx="8229600" cy="2476872"/>
+          </a:xfrm>
+        </p:spPr>
         <p:txBody>
           <a:bodyPr>
             <a:normAutofit/>
@@ -3858,19 +3880,22 @@
           <a:p>
             <a:r>
               <a:rPr lang="en-US" sz="2800" dirty="0" smtClean="0"/>
-              <a:t>Analytical mindset – Problem solving &amp; Debugging – Autonomous thinking – Strong team spirit – Believing in the impossible</a:t>
-            </a:r>
-          </a:p>
-          <a:p>
-            <a:pPr>
-              <a:buNone/>
-            </a:pPr>
+              <a:t>Analytical mindset – Problem solving &amp; Debugging – Autonomous thinking – Strong team spirit – Believing in the </a:t>
+            </a:r>
+            <a:r>
+              <a:rPr lang="en-US" sz="2800" dirty="0" smtClean="0"/>
+              <a:t>impossible</a:t>
+            </a:r>
             <a:endParaRPr lang="en-US" sz="2800" dirty="0" smtClean="0"/>
           </a:p>
           <a:p>
             <a:r>
               <a:rPr lang="en-US" sz="2800" dirty="0" smtClean="0"/>
-              <a:t>Likes playing Football, Cooking, Taking photographs and Travelling</a:t>
+              <a:t>Likes playing Football, Cooking, Taking photographs and </a:t>
+            </a:r>
+            <a:r>
+              <a:rPr lang="en-US" sz="2800" dirty="0" smtClean="0"/>
+              <a:t>Travelling</a:t>
             </a:r>
           </a:p>
           <a:p>
@@ -3879,15 +3904,6 @@
             </a:pPr>
             <a:endParaRPr lang="en-US" sz="3600" dirty="0" smtClean="0"/>
           </a:p>
-          <a:p>
-            <a:pPr algn="ctr">
-              <a:buNone/>
-            </a:pPr>
-            <a:r>
-              <a:rPr lang="en-US" sz="3600" dirty="0" smtClean="0"/>
-              <a:t>« Living crazy that’s the only way »</a:t>
-            </a:r>
-          </a:p>
         </p:txBody>
       </p:sp>
       <p:sp>
@@ -3907,7 +3923,7 @@
           <a:p>
             <a:r>
               <a:rPr lang="en-US" smtClean="0"/>
-              <a:t>30/082019</a:t>
+              <a:t>30/08/2019</a:t>
             </a:r>
             <a:endParaRPr lang="en-US"/>
           </a:p>
@@ -3957,6 +3973,48 @@
               <a:t>Ismail Joseph @Clariba</a:t>
             </a:r>
             <a:endParaRPr lang="en-US"/>
+          </a:p>
+        </p:txBody>
+      </p:sp>
+      <p:sp>
+        <p:nvSpPr>
+          <p:cNvPr id="7" name="TextBox 6"/>
+          <p:cNvSpPr txBox="1"/>
+          <p:nvPr/>
+        </p:nvSpPr>
+        <p:spPr>
+          <a:xfrm>
+            <a:off x="1259632" y="4365104"/>
+            <a:ext cx="6624736" cy="923330"/>
+          </a:xfrm>
+          <a:prstGeom prst="rect">
+            <a:avLst/>
+          </a:prstGeom>
+          <a:noFill/>
+        </p:spPr>
+        <p:txBody>
+          <a:bodyPr wrap="square" rtlCol="0">
+            <a:spAutoFit/>
+          </a:bodyPr>
+          <a:lstStyle/>
+          <a:p>
+            <a:pPr marL="342900" lvl="0" indent="-342900" algn="ctr">
+              <a:spcBef>
+                <a:spcPct val="20000"/>
+              </a:spcBef>
+            </a:pPr>
+            <a:r>
+              <a:rPr lang="en-US" sz="3600" dirty="0" smtClean="0">
+                <a:solidFill>
+                  <a:prstClr val="black"/>
+                </a:solidFill>
+              </a:rPr>
+              <a:t>« Living crazy that’s the only way »</a:t>
+            </a:r>
+          </a:p>
+          <a:p>
+            <a:pPr algn="ctr"/>
+            <a:endParaRPr lang="en-US" dirty="0"/>
           </a:p>
         </p:txBody>
       </p:sp>
@@ -3965,6 +4023,13 @@
   <p:clrMapOvr>
     <a:masterClrMapping/>
   </p:clrMapOvr>
+  <p:timing>
+    <p:tnLst>
+      <p:par>
+        <p:cTn id="1" dur="indefinite" restart="never" nodeType="tmRoot"/>
+      </p:par>
+    </p:tnLst>
+  </p:timing>
 </p:sld>
 </file>
 
@@ -4354,8 +4419,8 @@
         </p:nvSpPr>
         <p:spPr>
           <a:xfrm>
-            <a:off x="611560" y="3501008"/>
-            <a:ext cx="2376264" cy="1200329"/>
+            <a:off x="611560" y="3645024"/>
+            <a:ext cx="2376264" cy="923330"/>
           </a:xfrm>
           <a:prstGeom prst="rect">
             <a:avLst/>
@@ -4383,15 +4448,12 @@
           </a:p>
           <a:p>
             <a:r>
-              <a:rPr lang="fr-BE" dirty="0" err="1" smtClean="0"/>
-              <a:t>PeopleManagerService</a:t>
-            </a:r>
-            <a:endParaRPr lang="fr-BE" dirty="0" smtClean="0"/>
-          </a:p>
-          <a:p>
-            <a:r>
               <a:rPr lang="fr-BE" dirty="0" smtClean="0"/>
-              <a:t>HTML-&gt; input</a:t>
+              <a:t>HTML-</a:t>
+            </a:r>
+            <a:r>
+              <a:rPr lang="fr-BE" dirty="0" smtClean="0"/>
+              <a:t>&gt; input</a:t>
             </a:r>
           </a:p>
         </p:txBody>
@@ -4764,7 +4826,7 @@
           <a:p>
             <a:r>
               <a:rPr lang="en-US" smtClean="0"/>
-              <a:t>30/082019</a:t>
+              <a:t>30/08/2019</a:t>
             </a:r>
             <a:endParaRPr lang="en-US"/>
           </a:p>
@@ -4822,6 +4884,13 @@
   <p:clrMapOvr>
     <a:masterClrMapping/>
   </p:clrMapOvr>
+  <p:timing>
+    <p:tnLst>
+      <p:par>
+        <p:cTn id="1" dur="indefinite" restart="never" nodeType="tmRoot"/>
+      </p:par>
+    </p:tnLst>
+  </p:timing>
 </p:sld>
 </file>
 
@@ -5387,6 +5456,7 @@
             </a:avLst>
           </a:prstGeom>
           <a:ln w="6350">
+            <a:headEnd type="arrow"/>
             <a:tailEnd type="arrow"/>
           </a:ln>
         </p:spPr>
@@ -5776,7 +5846,7 @@
           <a:p>
             <a:r>
               <a:rPr lang="en-US" smtClean="0"/>
-              <a:t>30/082019</a:t>
+              <a:t>30/08/2019</a:t>
             </a:r>
             <a:endParaRPr lang="en-US"/>
           </a:p>
@@ -6007,13 +6077,23 @@
               <a:t>Form</a:t>
             </a:r>
             <a:r>
-              <a:rPr lang="fr-BE" smtClean="0"/>
+              <a:rPr lang="fr-BE" dirty="0" smtClean="0"/>
               <a:t> </a:t>
             </a:r>
             <a:r>
-              <a:rPr lang="fr-BE" smtClean="0"/>
+              <a:rPr lang="fr-BE" dirty="0" smtClean="0"/>
               <a:t>Template</a:t>
             </a:r>
+          </a:p>
+          <a:p>
+            <a:r>
+              <a:rPr lang="fr-BE" dirty="0" smtClean="0"/>
+              <a:t>User </a:t>
+            </a:r>
+            <a:r>
+              <a:rPr lang="fr-BE" dirty="0" err="1" smtClean="0"/>
+              <a:t>Experience</a:t>
+            </a:r>
             <a:endParaRPr lang="fr-BE" dirty="0" smtClean="0"/>
           </a:p>
         </p:txBody>
@@ -6035,7 +6115,7 @@
           <a:p>
             <a:r>
               <a:rPr lang="en-US" smtClean="0"/>
-              <a:t>30/082019</a:t>
+              <a:t>30/08/2019</a:t>
             </a:r>
             <a:endParaRPr lang="en-US"/>
           </a:p>
@@ -6085,6 +6165,156 @@
               <a:t>Ismail Joseph @Clariba</a:t>
             </a:r>
             <a:endParaRPr lang="en-US"/>
+          </a:p>
+        </p:txBody>
+      </p:sp>
+    </p:spTree>
+  </p:cSld>
+  <p:clrMapOvr>
+    <a:masterClrMapping/>
+  </p:clrMapOvr>
+  <p:timing>
+    <p:tnLst>
+      <p:par>
+        <p:cTn id="1" dur="indefinite" restart="never" nodeType="tmRoot"/>
+      </p:par>
+    </p:tnLst>
+  </p:timing>
+</p:sld>
+</file>
+
+<file path=ppt/slides/slide7.xml><?xml version="1.0" encoding="utf-8"?>
+<p:sld xmlns:a="http://schemas.openxmlformats.org/drawingml/2006/main" xmlns:r="http://schemas.openxmlformats.org/officeDocument/2006/relationships" xmlns:p="http://schemas.openxmlformats.org/presentationml/2006/main">
+  <p:cSld>
+    <p:spTree>
+      <p:nvGrpSpPr>
+        <p:cNvPr id="1" name=""/>
+        <p:cNvGrpSpPr/>
+        <p:nvPr/>
+      </p:nvGrpSpPr>
+      <p:grpSpPr>
+        <a:xfrm>
+          <a:off x="0" y="0"/>
+          <a:ext cx="0" cy="0"/>
+          <a:chOff x="0" y="0"/>
+          <a:chExt cx="0" cy="0"/>
+        </a:xfrm>
+      </p:grpSpPr>
+      <p:sp>
+        <p:nvSpPr>
+          <p:cNvPr id="2" name="Title 1"/>
+          <p:cNvSpPr>
+            <a:spLocks noGrp="1"/>
+          </p:cNvSpPr>
+          <p:nvPr>
+            <p:ph type="title"/>
+          </p:nvPr>
+        </p:nvSpPr>
+        <p:spPr/>
+        <p:txBody>
+          <a:bodyPr>
+            <a:normAutofit/>
+          </a:bodyPr>
+          <a:lstStyle/>
+          <a:p>
+            <a:r>
+              <a:rPr lang="fr-BE" dirty="0" smtClean="0"/>
+              <a:t>Discussion</a:t>
+            </a:r>
+            <a:endParaRPr lang="en-US" dirty="0"/>
+          </a:p>
+        </p:txBody>
+      </p:sp>
+      <p:sp>
+        <p:nvSpPr>
+          <p:cNvPr id="4" name="Date Placeholder 3"/>
+          <p:cNvSpPr>
+            <a:spLocks noGrp="1"/>
+          </p:cNvSpPr>
+          <p:nvPr>
+            <p:ph type="dt" sz="half" idx="10"/>
+          </p:nvPr>
+        </p:nvSpPr>
+        <p:spPr/>
+        <p:txBody>
+          <a:bodyPr/>
+          <a:lstStyle/>
+          <a:p>
+            <a:r>
+              <a:rPr lang="en-US" smtClean="0"/>
+              <a:t>30/08/2019</a:t>
+            </a:r>
+            <a:endParaRPr lang="en-US"/>
+          </a:p>
+        </p:txBody>
+      </p:sp>
+      <p:sp>
+        <p:nvSpPr>
+          <p:cNvPr id="5" name="Slide Number Placeholder 4"/>
+          <p:cNvSpPr>
+            <a:spLocks noGrp="1"/>
+          </p:cNvSpPr>
+          <p:nvPr>
+            <p:ph type="sldNum" sz="quarter" idx="12"/>
+          </p:nvPr>
+        </p:nvSpPr>
+        <p:spPr/>
+        <p:txBody>
+          <a:bodyPr/>
+          <a:lstStyle/>
+          <a:p>
+            <a:fld id="{DD20A2E5-6066-42A7-9FA8-39AC0F133469}" type="slidenum">
+              <a:rPr lang="en-US" smtClean="0"/>
+              <a:pPr/>
+              <a:t>7</a:t>
+            </a:fld>
+            <a:endParaRPr lang="en-US"/>
+          </a:p>
+        </p:txBody>
+      </p:sp>
+      <p:sp>
+        <p:nvSpPr>
+          <p:cNvPr id="6" name="Footer Placeholder 5"/>
+          <p:cNvSpPr>
+            <a:spLocks noGrp="1"/>
+          </p:cNvSpPr>
+          <p:nvPr>
+            <p:ph type="ftr" sz="quarter" idx="11"/>
+          </p:nvPr>
+        </p:nvSpPr>
+        <p:spPr/>
+        <p:txBody>
+          <a:bodyPr/>
+          <a:lstStyle/>
+          <a:p>
+            <a:r>
+              <a:rPr lang="en-US" smtClean="0"/>
+              <a:t>Ismail Joseph @Clariba</a:t>
+            </a:r>
+            <a:endParaRPr lang="en-US"/>
+          </a:p>
+        </p:txBody>
+      </p:sp>
+      <p:sp>
+        <p:nvSpPr>
+          <p:cNvPr id="7" name="Content Placeholder 6"/>
+          <p:cNvSpPr>
+            <a:spLocks noGrp="1"/>
+          </p:cNvSpPr>
+          <p:nvPr>
+            <p:ph idx="1"/>
+          </p:nvPr>
+        </p:nvSpPr>
+        <p:spPr/>
+        <p:txBody>
+          <a:bodyPr/>
+          <a:lstStyle/>
+          <a:p>
+            <a:r>
+              <a:rPr lang="fr-BE" dirty="0" smtClean="0"/>
+              <a:t>...</a:t>
+            </a:r>
+            <a:endParaRPr lang="en-US" dirty="0"/>
           </a:p>
         </p:txBody>
       </p:sp>
